--- a/Team Hope.pptx
+++ b/Team Hope.pptx
@@ -6,17 +6,19 @@
   </p:sldMasterIdLst>
   <p:sldIdLst>
     <p:sldId id="256" r:id="rId2"/>
-    <p:sldId id="263" r:id="rId3"/>
-    <p:sldId id="264" r:id="rId4"/>
-    <p:sldId id="257" r:id="rId5"/>
-    <p:sldId id="259" r:id="rId6"/>
-    <p:sldId id="258" r:id="rId7"/>
-    <p:sldId id="266" r:id="rId8"/>
-    <p:sldId id="260" r:id="rId9"/>
-    <p:sldId id="261" r:id="rId10"/>
-    <p:sldId id="267" r:id="rId11"/>
-    <p:sldId id="262" r:id="rId12"/>
-    <p:sldId id="265" r:id="rId13"/>
+    <p:sldId id="268" r:id="rId3"/>
+    <p:sldId id="269" r:id="rId4"/>
+    <p:sldId id="263" r:id="rId5"/>
+    <p:sldId id="264" r:id="rId6"/>
+    <p:sldId id="257" r:id="rId7"/>
+    <p:sldId id="259" r:id="rId8"/>
+    <p:sldId id="258" r:id="rId9"/>
+    <p:sldId id="266" r:id="rId10"/>
+    <p:sldId id="260" r:id="rId11"/>
+    <p:sldId id="261" r:id="rId12"/>
+    <p:sldId id="267" r:id="rId13"/>
+    <p:sldId id="262" r:id="rId14"/>
+    <p:sldId id="265" r:id="rId15"/>
   </p:sldIdLst>
   <p:sldSz cx="12192000" cy="6858000"/>
   <p:notesSz cx="6858000" cy="9144000"/>
@@ -3812,15 +3814,13 @@
           <a:p>
             <a:r>
               <a:rPr lang="en-US" dirty="0"/>
-              <a:t>1</a:t>
-            </a:r>
-            <a:r>
-              <a:rPr lang="en-US" baseline="30000" dirty="0"/>
-              <a:t>st</a:t>
-            </a:r>
+              <a:t>Project 1</a:t>
+            </a:r>
+          </a:p>
+          <a:p>
             <a:r>
               <a:rPr lang="en-US" dirty="0"/>
-              <a:t> Project in GWU Bootcamp</a:t>
+              <a:t>An evaluation of covid data</a:t>
             </a:r>
           </a:p>
         </p:txBody>
@@ -3885,148 +3885,26 @@
           <a:p>
             <a:r>
               <a:rPr lang="en-US" sz="3200" dirty="0"/>
-              <a:t>Q5B Do educational attainment differences within counties predict vaccination rates?</a:t>
-            </a:r>
-          </a:p>
-        </p:txBody>
-      </p:sp>
-      <p:sp>
-        <p:nvSpPr>
-          <p:cNvPr id="9" name="Content Placeholder 2">
+              <a:t>Q4B Does vaccination rate predict hospitalization rates?</a:t>
+            </a:r>
+          </a:p>
+        </p:txBody>
+      </p:sp>
+      <p:pic>
+        <p:nvPicPr>
+          <p:cNvPr id="10" name="Content Placeholder 9" descr="Chart, scatter chart&#10;&#10;Description automatically generated">
             <a:extLst>
               <a:ext uri="{FF2B5EF4-FFF2-40B4-BE49-F238E27FC236}">
-                <a16:creationId xmlns:a16="http://schemas.microsoft.com/office/drawing/2014/main" id="{ACAC471B-B29E-AF1D-D4EF-01636FA2108A}"/>
-              </a:ext>
-            </a:extLst>
-          </p:cNvPr>
-          <p:cNvSpPr>
-            <a:spLocks noGrp="1"/>
-          </p:cNvSpPr>
-          <p:nvPr>
-            <p:ph sz="half" idx="1"/>
-          </p:nvPr>
-        </p:nvSpPr>
-        <p:spPr>
-          <a:xfrm>
-            <a:off x="1158240" y="1845735"/>
-            <a:ext cx="4937760" cy="2168858"/>
-          </a:xfrm>
-        </p:spPr>
-        <p:txBody>
-          <a:bodyPr/>
-          <a:lstStyle/>
-          <a:p>
-            <a:pPr>
-              <a:buFont typeface="Wingdings" panose="05000000000000000000" pitchFamily="2" charset="2"/>
-              <a:buChar char="§"/>
-            </a:pPr>
-            <a:r>
-              <a:rPr lang="en-US" dirty="0"/>
-              <a:t>r= 0.62, p&lt;0.05.</a:t>
-            </a:r>
-          </a:p>
-          <a:p>
-            <a:pPr>
-              <a:buFont typeface="Wingdings" panose="05000000000000000000" pitchFamily="2" charset="2"/>
-              <a:buChar char="§"/>
-            </a:pPr>
-            <a:r>
-              <a:rPr lang="en-US" dirty="0"/>
-              <a:t>Significant positive relationship between education and COVID vaccination. </a:t>
-            </a:r>
-          </a:p>
-          <a:p>
-            <a:pPr>
-              <a:buFont typeface="Wingdings" panose="05000000000000000000" pitchFamily="2" charset="2"/>
-              <a:buChar char="§"/>
-            </a:pPr>
-            <a:r>
-              <a:rPr lang="en-US" dirty="0"/>
-              <a:t>Counties with higher percentage of bachelor’s degrees had higher vaccination rates. </a:t>
-            </a:r>
-          </a:p>
-          <a:p>
-            <a:pPr>
-              <a:buFont typeface="Wingdings" panose="05000000000000000000" pitchFamily="2" charset="2"/>
-              <a:buChar char="§"/>
-            </a:pPr>
-            <a:endParaRPr lang="en-US" dirty="0"/>
-          </a:p>
-        </p:txBody>
-      </p:sp>
-      <p:sp>
-        <p:nvSpPr>
-          <p:cNvPr id="10" name="Content Placeholder 3">
-            <a:extLst>
-              <a:ext uri="{FF2B5EF4-FFF2-40B4-BE49-F238E27FC236}">
-                <a16:creationId xmlns:a16="http://schemas.microsoft.com/office/drawing/2014/main" id="{038C0458-5FF2-C52B-7185-B02FC29A4EB5}"/>
-              </a:ext>
-            </a:extLst>
-          </p:cNvPr>
-          <p:cNvSpPr>
-            <a:spLocks noGrp="1"/>
-          </p:cNvSpPr>
-          <p:nvPr>
-            <p:ph sz="half" idx="2"/>
-          </p:nvPr>
-        </p:nvSpPr>
-        <p:spPr>
-          <a:xfrm>
-            <a:off x="6217920" y="1845735"/>
-            <a:ext cx="4937760" cy="2168858"/>
-          </a:xfrm>
-        </p:spPr>
-        <p:txBody>
-          <a:bodyPr/>
-          <a:lstStyle/>
-          <a:p>
-            <a:pPr>
-              <a:buFont typeface="Wingdings" panose="05000000000000000000" pitchFamily="2" charset="2"/>
-              <a:buChar char="§"/>
-            </a:pPr>
-            <a:r>
-              <a:rPr lang="en-US" dirty="0"/>
-              <a:t>r= 0.64, p&lt;0.05.</a:t>
-            </a:r>
-          </a:p>
-          <a:p>
-            <a:pPr>
-              <a:buFont typeface="Wingdings" panose="05000000000000000000" pitchFamily="2" charset="2"/>
-              <a:buChar char="§"/>
-            </a:pPr>
-            <a:r>
-              <a:rPr lang="en-US" dirty="0"/>
-              <a:t>Significant positive relationship between education and COVID booster shots. </a:t>
-            </a:r>
-          </a:p>
-          <a:p>
-            <a:pPr>
-              <a:buFont typeface="Wingdings" panose="05000000000000000000" pitchFamily="2" charset="2"/>
-              <a:buChar char="§"/>
-            </a:pPr>
-            <a:r>
-              <a:rPr lang="en-US" dirty="0"/>
-              <a:t>Counties with higher percentage of bachelor’s degrees had higher COVID booster rates. </a:t>
-            </a:r>
-          </a:p>
-          <a:p>
-            <a:endParaRPr lang="en-US" dirty="0"/>
-          </a:p>
-        </p:txBody>
-      </p:sp>
-      <p:pic>
-        <p:nvPicPr>
-          <p:cNvPr id="14" name="Picture 13" descr="Chart, scatter chart&#10;&#10;Description automatically generated">
-            <a:extLst>
-              <a:ext uri="{FF2B5EF4-FFF2-40B4-BE49-F238E27FC236}">
-                <a16:creationId xmlns:a16="http://schemas.microsoft.com/office/drawing/2014/main" id="{819517B5-811D-87DC-5D76-3433E4CA6E53}"/>
+                <a16:creationId xmlns:a16="http://schemas.microsoft.com/office/drawing/2014/main" id="{444464C0-E57D-78C5-9873-5937F99D118A}"/>
               </a:ext>
             </a:extLst>
           </p:cNvPr>
           <p:cNvPicPr>
-            <a:picLocks noChangeAspect="1"/>
+            <a:picLocks noGrp="1" noChangeAspect="1"/>
           </p:cNvPicPr>
-          <p:nvPr/>
+          <p:nvPr>
+            <p:ph sz="half" idx="1"/>
+          </p:nvPr>
         </p:nvPicPr>
         <p:blipFill>
           <a:blip r:embed="rId2"/>
@@ -4036,48 +3914,97 @@
         </p:blipFill>
         <p:spPr>
           <a:xfrm>
-            <a:off x="1565224" y="3737717"/>
-            <a:ext cx="3155366" cy="2366525"/>
-          </a:xfrm>
-          <a:prstGeom prst="rect">
-            <a:avLst/>
-          </a:prstGeom>
+            <a:off x="650395" y="1845735"/>
+            <a:ext cx="4938712" cy="3704034"/>
+          </a:xfrm>
         </p:spPr>
       </p:pic>
-      <p:pic>
-        <p:nvPicPr>
-          <p:cNvPr id="16" name="Picture 15" descr="Chart, scatter chart&#10;&#10;Description automatically generated">
+      <p:sp>
+        <p:nvSpPr>
+          <p:cNvPr id="8" name="Content Placeholder 7">
             <a:extLst>
               <a:ext uri="{FF2B5EF4-FFF2-40B4-BE49-F238E27FC236}">
-                <a16:creationId xmlns:a16="http://schemas.microsoft.com/office/drawing/2014/main" id="{33B95A88-3FD2-B994-2672-F3ABBA723CCC}"/>
+                <a16:creationId xmlns:a16="http://schemas.microsoft.com/office/drawing/2014/main" id="{408EA740-6705-2297-0068-9254C5812799}"/>
               </a:ext>
             </a:extLst>
           </p:cNvPr>
-          <p:cNvPicPr>
-            <a:picLocks noChangeAspect="1"/>
-          </p:cNvPicPr>
-          <p:nvPr/>
-        </p:nvPicPr>
-        <p:blipFill>
-          <a:blip r:embed="rId3"/>
-          <a:stretch>
-            <a:fillRect/>
-          </a:stretch>
-        </p:blipFill>
-        <p:spPr>
-          <a:xfrm>
-            <a:off x="7471412" y="3737717"/>
-            <a:ext cx="3096771" cy="2322578"/>
-          </a:xfrm>
-          <a:prstGeom prst="rect">
-            <a:avLst/>
-          </a:prstGeom>
-        </p:spPr>
-      </p:pic>
+          <p:cNvSpPr>
+            <a:spLocks noGrp="1"/>
+          </p:cNvSpPr>
+          <p:nvPr>
+            <p:ph sz="half" idx="2"/>
+          </p:nvPr>
+        </p:nvSpPr>
+        <p:spPr/>
+        <p:txBody>
+          <a:bodyPr/>
+          <a:lstStyle/>
+          <a:p>
+            <a:pPr>
+              <a:buFont typeface="Wingdings" panose="05000000000000000000" pitchFamily="2" charset="2"/>
+              <a:buChar char="§"/>
+            </a:pPr>
+            <a:r>
+              <a:rPr lang="en-US" dirty="0"/>
+              <a:t>R= 0.13, p&lt;0.05</a:t>
+            </a:r>
+          </a:p>
+          <a:p>
+            <a:pPr>
+              <a:buFont typeface="Wingdings" panose="05000000000000000000" pitchFamily="2" charset="2"/>
+              <a:buChar char="§"/>
+            </a:pPr>
+            <a:r>
+              <a:rPr lang="en-US" dirty="0"/>
+              <a:t>Indicates significant positive relationship between vaccinations and bed usage. </a:t>
+            </a:r>
+          </a:p>
+          <a:p>
+            <a:pPr>
+              <a:buFont typeface="Wingdings" panose="05000000000000000000" pitchFamily="2" charset="2"/>
+              <a:buChar char="§"/>
+            </a:pPr>
+            <a:r>
+              <a:rPr lang="en-US" dirty="0"/>
+              <a:t>Surprise finding: More vaccinated counties have significantly higher bed usage.</a:t>
+            </a:r>
+          </a:p>
+          <a:p>
+            <a:pPr>
+              <a:buFont typeface="Wingdings" panose="05000000000000000000" pitchFamily="2" charset="2"/>
+              <a:buChar char="§"/>
+            </a:pPr>
+            <a:r>
+              <a:rPr lang="en-US" dirty="0"/>
+              <a:t>Note: Data on bed usage may not have been accurate. </a:t>
+            </a:r>
+          </a:p>
+          <a:p>
+            <a:pPr lvl="1">
+              <a:buFont typeface="Wingdings" panose="05000000000000000000" pitchFamily="2" charset="2"/>
+              <a:buChar char="§"/>
+            </a:pPr>
+            <a:r>
+              <a:rPr lang="en-US" dirty="0"/>
+              <a:t>Low reporting percentage.</a:t>
+            </a:r>
+          </a:p>
+          <a:p>
+            <a:pPr lvl="1">
+              <a:buFont typeface="Wingdings" panose="05000000000000000000" pitchFamily="2" charset="2"/>
+              <a:buChar char="§"/>
+            </a:pPr>
+            <a:r>
+              <a:rPr lang="en-US" dirty="0"/>
+              <a:t>Multiple usage percentages showed out of range values. </a:t>
+            </a:r>
+          </a:p>
+        </p:txBody>
+      </p:sp>
     </p:spTree>
     <p:extLst>
       <p:ext uri="{BB962C8B-B14F-4D97-AF65-F5344CB8AC3E}">
-        <p14:creationId xmlns:p14="http://schemas.microsoft.com/office/powerpoint/2010/main" val="2303038882"/>
+        <p14:creationId xmlns:p14="http://schemas.microsoft.com/office/powerpoint/2010/main" val="402086038"/>
       </p:ext>
     </p:extLst>
   </p:cSld>
@@ -4109,6 +4036,504 @@
           <p:cNvPr id="2" name="Title 1">
             <a:extLst>
               <a:ext uri="{FF2B5EF4-FFF2-40B4-BE49-F238E27FC236}">
+                <a16:creationId xmlns:a16="http://schemas.microsoft.com/office/drawing/2014/main" id="{3D57F178-AD3B-B411-65D0-38DCED4C72DE}"/>
+              </a:ext>
+            </a:extLst>
+          </p:cNvPr>
+          <p:cNvSpPr>
+            <a:spLocks noGrp="1"/>
+          </p:cNvSpPr>
+          <p:nvPr>
+            <p:ph type="title"/>
+          </p:nvPr>
+        </p:nvSpPr>
+        <p:spPr>
+          <a:xfrm>
+            <a:off x="1097280" y="412533"/>
+            <a:ext cx="10058400" cy="1152744"/>
+          </a:xfrm>
+        </p:spPr>
+        <p:txBody>
+          <a:bodyPr>
+            <a:normAutofit/>
+          </a:bodyPr>
+          <a:lstStyle/>
+          <a:p>
+            <a:r>
+              <a:rPr lang="en-US" sz="3200" dirty="0"/>
+              <a:t>Q5A Do educational attainment differences within counties predict infection rates?</a:t>
+            </a:r>
+          </a:p>
+        </p:txBody>
+      </p:sp>
+      <p:sp>
+        <p:nvSpPr>
+          <p:cNvPr id="3" name="Content Placeholder 2">
+            <a:extLst>
+              <a:ext uri="{FF2B5EF4-FFF2-40B4-BE49-F238E27FC236}">
+                <a16:creationId xmlns:a16="http://schemas.microsoft.com/office/drawing/2014/main" id="{569283CB-10A8-8006-AD90-517C248B7F6C}"/>
+              </a:ext>
+            </a:extLst>
+          </p:cNvPr>
+          <p:cNvSpPr>
+            <a:spLocks noGrp="1"/>
+          </p:cNvSpPr>
+          <p:nvPr>
+            <p:ph sz="half" idx="1"/>
+          </p:nvPr>
+        </p:nvSpPr>
+        <p:spPr>
+          <a:xfrm>
+            <a:off x="1158240" y="1845735"/>
+            <a:ext cx="4937760" cy="2168858"/>
+          </a:xfrm>
+        </p:spPr>
+        <p:txBody>
+          <a:bodyPr/>
+          <a:lstStyle/>
+          <a:p>
+            <a:pPr>
+              <a:buFont typeface="Wingdings" panose="05000000000000000000" pitchFamily="2" charset="2"/>
+              <a:buChar char="§"/>
+            </a:pPr>
+            <a:r>
+              <a:rPr lang="en-US" dirty="0"/>
+              <a:t>r= -0.25, p&lt;0.05.</a:t>
+            </a:r>
+          </a:p>
+          <a:p>
+            <a:pPr>
+              <a:buFont typeface="Wingdings" panose="05000000000000000000" pitchFamily="2" charset="2"/>
+              <a:buChar char="§"/>
+            </a:pPr>
+            <a:r>
+              <a:rPr lang="en-US" dirty="0"/>
+              <a:t>Significant negative relationship between education and COVID infection. </a:t>
+            </a:r>
+          </a:p>
+          <a:p>
+            <a:pPr>
+              <a:buFont typeface="Wingdings" panose="05000000000000000000" pitchFamily="2" charset="2"/>
+              <a:buChar char="§"/>
+            </a:pPr>
+            <a:r>
+              <a:rPr lang="en-US" dirty="0"/>
+              <a:t>Counties with higher percentage of bachelor’s degrees tended to have lower infection rates. </a:t>
+            </a:r>
+          </a:p>
+          <a:p>
+            <a:pPr>
+              <a:buFont typeface="Wingdings" panose="05000000000000000000" pitchFamily="2" charset="2"/>
+              <a:buChar char="§"/>
+            </a:pPr>
+            <a:endParaRPr lang="en-US" dirty="0"/>
+          </a:p>
+        </p:txBody>
+      </p:sp>
+      <p:sp>
+        <p:nvSpPr>
+          <p:cNvPr id="4" name="Content Placeholder 3">
+            <a:extLst>
+              <a:ext uri="{FF2B5EF4-FFF2-40B4-BE49-F238E27FC236}">
+                <a16:creationId xmlns:a16="http://schemas.microsoft.com/office/drawing/2014/main" id="{469FA81E-ADD9-6266-BF5B-8C88170B5A2B}"/>
+              </a:ext>
+            </a:extLst>
+          </p:cNvPr>
+          <p:cNvSpPr>
+            <a:spLocks noGrp="1"/>
+          </p:cNvSpPr>
+          <p:nvPr>
+            <p:ph sz="half" idx="2"/>
+          </p:nvPr>
+        </p:nvSpPr>
+        <p:spPr>
+          <a:xfrm>
+            <a:off x="6217920" y="1845735"/>
+            <a:ext cx="4937760" cy="2168858"/>
+          </a:xfrm>
+        </p:spPr>
+        <p:txBody>
+          <a:bodyPr/>
+          <a:lstStyle/>
+          <a:p>
+            <a:pPr>
+              <a:buFont typeface="Wingdings" panose="05000000000000000000" pitchFamily="2" charset="2"/>
+              <a:buChar char="§"/>
+            </a:pPr>
+            <a:r>
+              <a:rPr lang="en-US" dirty="0"/>
+              <a:t>r= -0.17, p&lt;0.05.</a:t>
+            </a:r>
+          </a:p>
+          <a:p>
+            <a:pPr>
+              <a:buFont typeface="Wingdings" panose="05000000000000000000" pitchFamily="2" charset="2"/>
+              <a:buChar char="§"/>
+            </a:pPr>
+            <a:r>
+              <a:rPr lang="en-US" dirty="0"/>
+              <a:t>Significant negative relationship between education and COVID mortality. </a:t>
+            </a:r>
+          </a:p>
+          <a:p>
+            <a:pPr>
+              <a:buFont typeface="Wingdings" panose="05000000000000000000" pitchFamily="2" charset="2"/>
+              <a:buChar char="§"/>
+            </a:pPr>
+            <a:r>
+              <a:rPr lang="en-US" dirty="0"/>
+              <a:t>Counties with higher percentage of bachelor’s degrees tended to have lower COVID death rates. </a:t>
+            </a:r>
+          </a:p>
+          <a:p>
+            <a:endParaRPr lang="en-US" dirty="0"/>
+          </a:p>
+        </p:txBody>
+      </p:sp>
+      <p:pic>
+        <p:nvPicPr>
+          <p:cNvPr id="11" name="Picture 10" descr="Chart, scatter chart&#10;&#10;Description automatically generated">
+            <a:extLst>
+              <a:ext uri="{FF2B5EF4-FFF2-40B4-BE49-F238E27FC236}">
+                <a16:creationId xmlns:a16="http://schemas.microsoft.com/office/drawing/2014/main" id="{766BB5BF-6401-17C5-3B02-FFC5ED28A5FE}"/>
+              </a:ext>
+            </a:extLst>
+          </p:cNvPr>
+          <p:cNvPicPr>
+            <a:picLocks noChangeAspect="1"/>
+          </p:cNvPicPr>
+          <p:nvPr/>
+        </p:nvPicPr>
+        <p:blipFill>
+          <a:blip r:embed="rId2"/>
+          <a:stretch>
+            <a:fillRect/>
+          </a:stretch>
+        </p:blipFill>
+        <p:spPr>
+          <a:xfrm>
+            <a:off x="7471411" y="3737717"/>
+            <a:ext cx="3295826" cy="2471870"/>
+          </a:xfrm>
+          <a:prstGeom prst="rect">
+            <a:avLst/>
+          </a:prstGeom>
+        </p:spPr>
+      </p:pic>
+      <p:pic>
+        <p:nvPicPr>
+          <p:cNvPr id="12" name="Picture 11" descr="Chart, scatter chart&#10;&#10;Description automatically generated">
+            <a:extLst>
+              <a:ext uri="{FF2B5EF4-FFF2-40B4-BE49-F238E27FC236}">
+                <a16:creationId xmlns:a16="http://schemas.microsoft.com/office/drawing/2014/main" id="{3BAA56A9-D797-4498-5D6E-AC9BFEA104CC}"/>
+              </a:ext>
+            </a:extLst>
+          </p:cNvPr>
+          <p:cNvPicPr>
+            <a:picLocks noChangeAspect="1"/>
+          </p:cNvPicPr>
+          <p:nvPr/>
+        </p:nvPicPr>
+        <p:blipFill>
+          <a:blip r:embed="rId3"/>
+          <a:stretch>
+            <a:fillRect/>
+          </a:stretch>
+        </p:blipFill>
+        <p:spPr>
+          <a:xfrm>
+            <a:off x="1424763" y="3737717"/>
+            <a:ext cx="3295827" cy="2471870"/>
+          </a:xfrm>
+          <a:prstGeom prst="rect">
+            <a:avLst/>
+          </a:prstGeom>
+        </p:spPr>
+      </p:pic>
+    </p:spTree>
+    <p:extLst>
+      <p:ext uri="{BB962C8B-B14F-4D97-AF65-F5344CB8AC3E}">
+        <p14:creationId xmlns:p14="http://schemas.microsoft.com/office/powerpoint/2010/main" val="2636386858"/>
+      </p:ext>
+    </p:extLst>
+  </p:cSld>
+  <p:clrMapOvr>
+    <a:masterClrMapping/>
+  </p:clrMapOvr>
+</p:sld>
+</file>
+
+<file path=ppt/slides/slide12.xml><?xml version="1.0" encoding="utf-8"?>
+<p:sld xmlns:a="http://schemas.openxmlformats.org/drawingml/2006/main" xmlns:r="http://schemas.openxmlformats.org/officeDocument/2006/relationships" xmlns:p="http://schemas.openxmlformats.org/presentationml/2006/main">
+  <p:cSld>
+    <p:spTree>
+      <p:nvGrpSpPr>
+        <p:cNvPr id="1" name=""/>
+        <p:cNvGrpSpPr/>
+        <p:nvPr/>
+      </p:nvGrpSpPr>
+      <p:grpSpPr>
+        <a:xfrm>
+          <a:off x="0" y="0"/>
+          <a:ext cx="0" cy="0"/>
+          <a:chOff x="0" y="0"/>
+          <a:chExt cx="0" cy="0"/>
+        </a:xfrm>
+      </p:grpSpPr>
+      <p:sp>
+        <p:nvSpPr>
+          <p:cNvPr id="2" name="Title 1">
+            <a:extLst>
+              <a:ext uri="{FF2B5EF4-FFF2-40B4-BE49-F238E27FC236}">
+                <a16:creationId xmlns:a16="http://schemas.microsoft.com/office/drawing/2014/main" id="{3D57F178-AD3B-B411-65D0-38DCED4C72DE}"/>
+              </a:ext>
+            </a:extLst>
+          </p:cNvPr>
+          <p:cNvSpPr>
+            <a:spLocks noGrp="1"/>
+          </p:cNvSpPr>
+          <p:nvPr>
+            <p:ph type="title"/>
+          </p:nvPr>
+        </p:nvSpPr>
+        <p:spPr>
+          <a:xfrm>
+            <a:off x="1097280" y="412533"/>
+            <a:ext cx="10058400" cy="1152744"/>
+          </a:xfrm>
+        </p:spPr>
+        <p:txBody>
+          <a:bodyPr>
+            <a:normAutofit/>
+          </a:bodyPr>
+          <a:lstStyle/>
+          <a:p>
+            <a:r>
+              <a:rPr lang="en-US" sz="3200" dirty="0"/>
+              <a:t>Q5B Do educational attainment differences within counties predict vaccination rates?</a:t>
+            </a:r>
+          </a:p>
+        </p:txBody>
+      </p:sp>
+      <p:sp>
+        <p:nvSpPr>
+          <p:cNvPr id="9" name="Content Placeholder 2">
+            <a:extLst>
+              <a:ext uri="{FF2B5EF4-FFF2-40B4-BE49-F238E27FC236}">
+                <a16:creationId xmlns:a16="http://schemas.microsoft.com/office/drawing/2014/main" id="{ACAC471B-B29E-AF1D-D4EF-01636FA2108A}"/>
+              </a:ext>
+            </a:extLst>
+          </p:cNvPr>
+          <p:cNvSpPr>
+            <a:spLocks noGrp="1"/>
+          </p:cNvSpPr>
+          <p:nvPr>
+            <p:ph sz="half" idx="1"/>
+          </p:nvPr>
+        </p:nvSpPr>
+        <p:spPr>
+          <a:xfrm>
+            <a:off x="1158240" y="1845735"/>
+            <a:ext cx="4937760" cy="2168858"/>
+          </a:xfrm>
+        </p:spPr>
+        <p:txBody>
+          <a:bodyPr/>
+          <a:lstStyle/>
+          <a:p>
+            <a:pPr>
+              <a:buFont typeface="Wingdings" panose="05000000000000000000" pitchFamily="2" charset="2"/>
+              <a:buChar char="§"/>
+            </a:pPr>
+            <a:r>
+              <a:rPr lang="en-US" dirty="0"/>
+              <a:t>r= 0.62, p&lt;0.05.</a:t>
+            </a:r>
+          </a:p>
+          <a:p>
+            <a:pPr>
+              <a:buFont typeface="Wingdings" panose="05000000000000000000" pitchFamily="2" charset="2"/>
+              <a:buChar char="§"/>
+            </a:pPr>
+            <a:r>
+              <a:rPr lang="en-US" dirty="0"/>
+              <a:t>Significant positive relationship between education and COVID vaccination. </a:t>
+            </a:r>
+          </a:p>
+          <a:p>
+            <a:pPr>
+              <a:buFont typeface="Wingdings" panose="05000000000000000000" pitchFamily="2" charset="2"/>
+              <a:buChar char="§"/>
+            </a:pPr>
+            <a:r>
+              <a:rPr lang="en-US" dirty="0"/>
+              <a:t>Counties with higher percentage of bachelor’s degrees had higher vaccination rates. </a:t>
+            </a:r>
+          </a:p>
+          <a:p>
+            <a:pPr>
+              <a:buFont typeface="Wingdings" panose="05000000000000000000" pitchFamily="2" charset="2"/>
+              <a:buChar char="§"/>
+            </a:pPr>
+            <a:endParaRPr lang="en-US" dirty="0"/>
+          </a:p>
+        </p:txBody>
+      </p:sp>
+      <p:sp>
+        <p:nvSpPr>
+          <p:cNvPr id="10" name="Content Placeholder 3">
+            <a:extLst>
+              <a:ext uri="{FF2B5EF4-FFF2-40B4-BE49-F238E27FC236}">
+                <a16:creationId xmlns:a16="http://schemas.microsoft.com/office/drawing/2014/main" id="{038C0458-5FF2-C52B-7185-B02FC29A4EB5}"/>
+              </a:ext>
+            </a:extLst>
+          </p:cNvPr>
+          <p:cNvSpPr>
+            <a:spLocks noGrp="1"/>
+          </p:cNvSpPr>
+          <p:nvPr>
+            <p:ph sz="half" idx="2"/>
+          </p:nvPr>
+        </p:nvSpPr>
+        <p:spPr>
+          <a:xfrm>
+            <a:off x="6217920" y="1845735"/>
+            <a:ext cx="4937760" cy="2168858"/>
+          </a:xfrm>
+        </p:spPr>
+        <p:txBody>
+          <a:bodyPr/>
+          <a:lstStyle/>
+          <a:p>
+            <a:pPr>
+              <a:buFont typeface="Wingdings" panose="05000000000000000000" pitchFamily="2" charset="2"/>
+              <a:buChar char="§"/>
+            </a:pPr>
+            <a:r>
+              <a:rPr lang="en-US" dirty="0"/>
+              <a:t>r= 0.64, p&lt;0.05.</a:t>
+            </a:r>
+          </a:p>
+          <a:p>
+            <a:pPr>
+              <a:buFont typeface="Wingdings" panose="05000000000000000000" pitchFamily="2" charset="2"/>
+              <a:buChar char="§"/>
+            </a:pPr>
+            <a:r>
+              <a:rPr lang="en-US" dirty="0"/>
+              <a:t>Significant positive relationship between education and COVID booster shots. </a:t>
+            </a:r>
+          </a:p>
+          <a:p>
+            <a:pPr>
+              <a:buFont typeface="Wingdings" panose="05000000000000000000" pitchFamily="2" charset="2"/>
+              <a:buChar char="§"/>
+            </a:pPr>
+            <a:r>
+              <a:rPr lang="en-US" dirty="0"/>
+              <a:t>Counties with higher percentage of bachelor’s degrees had higher COVID booster rates. </a:t>
+            </a:r>
+          </a:p>
+          <a:p>
+            <a:endParaRPr lang="en-US" dirty="0"/>
+          </a:p>
+        </p:txBody>
+      </p:sp>
+      <p:pic>
+        <p:nvPicPr>
+          <p:cNvPr id="14" name="Picture 13" descr="Chart, scatter chart&#10;&#10;Description automatically generated">
+            <a:extLst>
+              <a:ext uri="{FF2B5EF4-FFF2-40B4-BE49-F238E27FC236}">
+                <a16:creationId xmlns:a16="http://schemas.microsoft.com/office/drawing/2014/main" id="{819517B5-811D-87DC-5D76-3433E4CA6E53}"/>
+              </a:ext>
+            </a:extLst>
+          </p:cNvPr>
+          <p:cNvPicPr>
+            <a:picLocks noChangeAspect="1"/>
+          </p:cNvPicPr>
+          <p:nvPr/>
+        </p:nvPicPr>
+        <p:blipFill>
+          <a:blip r:embed="rId2"/>
+          <a:stretch>
+            <a:fillRect/>
+          </a:stretch>
+        </p:blipFill>
+        <p:spPr>
+          <a:xfrm>
+            <a:off x="1565224" y="3737717"/>
+            <a:ext cx="3155366" cy="2366525"/>
+          </a:xfrm>
+          <a:prstGeom prst="rect">
+            <a:avLst/>
+          </a:prstGeom>
+        </p:spPr>
+      </p:pic>
+      <p:pic>
+        <p:nvPicPr>
+          <p:cNvPr id="16" name="Picture 15" descr="Chart, scatter chart&#10;&#10;Description automatically generated">
+            <a:extLst>
+              <a:ext uri="{FF2B5EF4-FFF2-40B4-BE49-F238E27FC236}">
+                <a16:creationId xmlns:a16="http://schemas.microsoft.com/office/drawing/2014/main" id="{33B95A88-3FD2-B994-2672-F3ABBA723CCC}"/>
+              </a:ext>
+            </a:extLst>
+          </p:cNvPr>
+          <p:cNvPicPr>
+            <a:picLocks noChangeAspect="1"/>
+          </p:cNvPicPr>
+          <p:nvPr/>
+        </p:nvPicPr>
+        <p:blipFill>
+          <a:blip r:embed="rId3"/>
+          <a:stretch>
+            <a:fillRect/>
+          </a:stretch>
+        </p:blipFill>
+        <p:spPr>
+          <a:xfrm>
+            <a:off x="7471412" y="3737717"/>
+            <a:ext cx="3096771" cy="2322578"/>
+          </a:xfrm>
+          <a:prstGeom prst="rect">
+            <a:avLst/>
+          </a:prstGeom>
+        </p:spPr>
+      </p:pic>
+    </p:spTree>
+    <p:extLst>
+      <p:ext uri="{BB962C8B-B14F-4D97-AF65-F5344CB8AC3E}">
+        <p14:creationId xmlns:p14="http://schemas.microsoft.com/office/powerpoint/2010/main" val="2303038882"/>
+      </p:ext>
+    </p:extLst>
+  </p:cSld>
+  <p:clrMapOvr>
+    <a:masterClrMapping/>
+  </p:clrMapOvr>
+</p:sld>
+</file>
+
+<file path=ppt/slides/slide13.xml><?xml version="1.0" encoding="utf-8"?>
+<p:sld xmlns:a="http://schemas.openxmlformats.org/drawingml/2006/main" xmlns:r="http://schemas.openxmlformats.org/officeDocument/2006/relationships" xmlns:p="http://schemas.openxmlformats.org/presentationml/2006/main">
+  <p:cSld>
+    <p:spTree>
+      <p:nvGrpSpPr>
+        <p:cNvPr id="1" name=""/>
+        <p:cNvGrpSpPr/>
+        <p:nvPr/>
+      </p:nvGrpSpPr>
+      <p:grpSpPr>
+        <a:xfrm>
+          <a:off x="0" y="0"/>
+          <a:ext cx="0" cy="0"/>
+          <a:chOff x="0" y="0"/>
+          <a:chExt cx="0" cy="0"/>
+        </a:xfrm>
+      </p:grpSpPr>
+      <p:sp>
+        <p:nvSpPr>
+          <p:cNvPr id="2" name="Title 1">
+            <a:extLst>
+              <a:ext uri="{FF2B5EF4-FFF2-40B4-BE49-F238E27FC236}">
                 <a16:creationId xmlns:a16="http://schemas.microsoft.com/office/drawing/2014/main" id="{380FA17F-8677-2531-9C58-7051D7644EBB}"/>
               </a:ext>
             </a:extLst>
@@ -4230,7 +4655,7 @@
 </p:sld>
 </file>
 
-<file path=ppt/slides/slide12.xml><?xml version="1.0" encoding="utf-8"?>
+<file path=ppt/slides/slide14.xml><?xml version="1.0" encoding="utf-8"?>
 <p:sld xmlns:a="http://schemas.openxmlformats.org/drawingml/2006/main" xmlns:r="http://schemas.openxmlformats.org/officeDocument/2006/relationships" xmlns:p="http://schemas.openxmlformats.org/presentationml/2006/main">
   <p:cSld>
     <p:spTree>
@@ -4352,6 +4777,445 @@
           <p:cNvPr id="2" name="Title 1">
             <a:extLst>
               <a:ext uri="{FF2B5EF4-FFF2-40B4-BE49-F238E27FC236}">
+                <a16:creationId xmlns:a16="http://schemas.microsoft.com/office/drawing/2014/main" id="{5AA8BC80-FA1B-6434-17D3-A1CD45A05B38}"/>
+              </a:ext>
+            </a:extLst>
+          </p:cNvPr>
+          <p:cNvSpPr>
+            <a:spLocks noGrp="1"/>
+          </p:cNvSpPr>
+          <p:nvPr>
+            <p:ph type="title"/>
+          </p:nvPr>
+        </p:nvSpPr>
+        <p:spPr/>
+        <p:txBody>
+          <a:bodyPr/>
+          <a:lstStyle/>
+          <a:p>
+            <a:pPr algn="ctr"/>
+            <a:r>
+              <a:rPr lang="en-US" dirty="0"/>
+              <a:t>Objectives</a:t>
+            </a:r>
+          </a:p>
+        </p:txBody>
+      </p:sp>
+      <p:sp>
+        <p:nvSpPr>
+          <p:cNvPr id="3" name="Content Placeholder 2">
+            <a:extLst>
+              <a:ext uri="{FF2B5EF4-FFF2-40B4-BE49-F238E27FC236}">
+                <a16:creationId xmlns:a16="http://schemas.microsoft.com/office/drawing/2014/main" id="{D4BC4E98-899B-5D76-0DF0-FEEAEE2687E5}"/>
+              </a:ext>
+            </a:extLst>
+          </p:cNvPr>
+          <p:cNvSpPr>
+            <a:spLocks noGrp="1"/>
+          </p:cNvSpPr>
+          <p:nvPr>
+            <p:ph idx="1"/>
+          </p:nvPr>
+        </p:nvSpPr>
+        <p:spPr/>
+        <p:txBody>
+          <a:bodyPr/>
+          <a:lstStyle/>
+          <a:p>
+            <a:pPr>
+              <a:buFont typeface="Wingdings" panose="05000000000000000000" pitchFamily="2" charset="2"/>
+              <a:buChar char="§"/>
+            </a:pPr>
+            <a:r>
+              <a:rPr lang="en-US" dirty="0"/>
+              <a:t>Discuss the data used and how the data were cleaned</a:t>
+            </a:r>
+          </a:p>
+          <a:p>
+            <a:pPr>
+              <a:buFont typeface="Wingdings" panose="05000000000000000000" pitchFamily="2" charset="2"/>
+              <a:buChar char="§"/>
+            </a:pPr>
+            <a:r>
+              <a:rPr lang="en-US" dirty="0"/>
+              <a:t>Discuss and evaluate our research questions</a:t>
+            </a:r>
+          </a:p>
+          <a:p>
+            <a:pPr>
+              <a:buFont typeface="Wingdings" panose="05000000000000000000" pitchFamily="2" charset="2"/>
+              <a:buChar char="§"/>
+            </a:pPr>
+            <a:r>
+              <a:rPr lang="en-US" dirty="0"/>
+              <a:t>Discuss overarching findings from data analysis</a:t>
+            </a:r>
+          </a:p>
+        </p:txBody>
+      </p:sp>
+    </p:spTree>
+    <p:extLst>
+      <p:ext uri="{BB962C8B-B14F-4D97-AF65-F5344CB8AC3E}">
+        <p14:creationId xmlns:p14="http://schemas.microsoft.com/office/powerpoint/2010/main" val="1291024975"/>
+      </p:ext>
+    </p:extLst>
+  </p:cSld>
+  <p:clrMapOvr>
+    <a:masterClrMapping/>
+  </p:clrMapOvr>
+</p:sld>
+</file>
+
+<file path=ppt/slides/slide3.xml><?xml version="1.0" encoding="utf-8"?>
+<p:sld xmlns:a="http://schemas.openxmlformats.org/drawingml/2006/main" xmlns:r="http://schemas.openxmlformats.org/officeDocument/2006/relationships" xmlns:p="http://schemas.openxmlformats.org/presentationml/2006/main">
+  <p:cSld>
+    <p:spTree>
+      <p:nvGrpSpPr>
+        <p:cNvPr id="1" name=""/>
+        <p:cNvGrpSpPr/>
+        <p:nvPr/>
+      </p:nvGrpSpPr>
+      <p:grpSpPr>
+        <a:xfrm>
+          <a:off x="0" y="0"/>
+          <a:ext cx="0" cy="0"/>
+          <a:chOff x="0" y="0"/>
+          <a:chExt cx="0" cy="0"/>
+        </a:xfrm>
+      </p:grpSpPr>
+      <p:sp>
+        <p:nvSpPr>
+          <p:cNvPr id="2" name="Title 1">
+            <a:extLst>
+              <a:ext uri="{FF2B5EF4-FFF2-40B4-BE49-F238E27FC236}">
+                <a16:creationId xmlns:a16="http://schemas.microsoft.com/office/drawing/2014/main" id="{A9AE0E9E-49ED-3286-FFD2-8F81FCCE2395}"/>
+              </a:ext>
+            </a:extLst>
+          </p:cNvPr>
+          <p:cNvSpPr>
+            <a:spLocks noGrp="1"/>
+          </p:cNvSpPr>
+          <p:nvPr>
+            <p:ph type="title"/>
+          </p:nvPr>
+        </p:nvSpPr>
+        <p:spPr/>
+        <p:txBody>
+          <a:bodyPr/>
+          <a:lstStyle/>
+          <a:p>
+            <a:r>
+              <a:rPr lang="en-US" dirty="0"/>
+              <a:t>Project Goals and Research Questions </a:t>
+            </a:r>
+          </a:p>
+        </p:txBody>
+      </p:sp>
+      <p:sp>
+        <p:nvSpPr>
+          <p:cNvPr id="3" name="Content Placeholder 2">
+            <a:extLst>
+              <a:ext uri="{FF2B5EF4-FFF2-40B4-BE49-F238E27FC236}">
+                <a16:creationId xmlns:a16="http://schemas.microsoft.com/office/drawing/2014/main" id="{0B8831DC-BD47-8C6C-EDEB-61B1F25E3C56}"/>
+              </a:ext>
+            </a:extLst>
+          </p:cNvPr>
+          <p:cNvSpPr>
+            <a:spLocks noGrp="1"/>
+          </p:cNvSpPr>
+          <p:nvPr>
+            <p:ph idx="1"/>
+          </p:nvPr>
+        </p:nvSpPr>
+        <p:spPr/>
+        <p:txBody>
+          <a:bodyPr/>
+          <a:lstStyle/>
+          <a:p>
+            <a:pPr marL="0" marR="0" lvl="0" indent="0">
+              <a:lnSpc>
+                <a:spcPct val="107000"/>
+              </a:lnSpc>
+              <a:spcBef>
+                <a:spcPts val="0"/>
+              </a:spcBef>
+              <a:spcAft>
+                <a:spcPts val="0"/>
+              </a:spcAft>
+              <a:buNone/>
+            </a:pPr>
+            <a:r>
+              <a:rPr lang="en-US" sz="1800" dirty="0">
+                <a:effectLst/>
+                <a:latin typeface="Times New Roman" panose="02020603050405020304" pitchFamily="18" charset="0"/>
+                <a:ea typeface="Calibri" panose="020F0502020204030204" pitchFamily="34" charset="0"/>
+                <a:cs typeface="Times New Roman" panose="02020603050405020304" pitchFamily="18" charset="0"/>
+              </a:rPr>
+              <a:t>Goal: </a:t>
+            </a:r>
+          </a:p>
+          <a:p>
+            <a:pPr marL="0" marR="0" lvl="0" indent="0">
+              <a:lnSpc>
+                <a:spcPct val="107000"/>
+              </a:lnSpc>
+              <a:spcBef>
+                <a:spcPts val="0"/>
+              </a:spcBef>
+              <a:spcAft>
+                <a:spcPts val="0"/>
+              </a:spcAft>
+              <a:buNone/>
+            </a:pPr>
+            <a:r>
+              <a:rPr lang="en-US" sz="1800" dirty="0">
+                <a:latin typeface="Times New Roman" panose="02020603050405020304" pitchFamily="18" charset="0"/>
+                <a:ea typeface="Calibri" panose="020F0502020204030204" pitchFamily="34" charset="0"/>
+                <a:cs typeface="Times New Roman" panose="02020603050405020304" pitchFamily="18" charset="0"/>
+              </a:rPr>
+              <a:t>D</a:t>
+            </a:r>
+            <a:r>
+              <a:rPr lang="en-US" sz="1800" dirty="0">
+                <a:effectLst/>
+                <a:latin typeface="Times New Roman" panose="02020603050405020304" pitchFamily="18" charset="0"/>
+                <a:ea typeface="Calibri" panose="020F0502020204030204" pitchFamily="34" charset="0"/>
+              </a:rPr>
+              <a:t>ata mine Covid Act Now data set for regional differences in vaccination and covid rates, and the relationship between vaccination status and infection rates</a:t>
+            </a:r>
+          </a:p>
+          <a:p>
+            <a:pPr marL="0" marR="0" lvl="0" indent="0">
+              <a:lnSpc>
+                <a:spcPct val="107000"/>
+              </a:lnSpc>
+              <a:spcBef>
+                <a:spcPts val="0"/>
+              </a:spcBef>
+              <a:spcAft>
+                <a:spcPts val="0"/>
+              </a:spcAft>
+              <a:buNone/>
+            </a:pPr>
+            <a:endParaRPr lang="en-US" sz="1800" dirty="0">
+              <a:latin typeface="Times New Roman" panose="02020603050405020304" pitchFamily="18" charset="0"/>
+              <a:ea typeface="Calibri" panose="020F0502020204030204" pitchFamily="34" charset="0"/>
+              <a:cs typeface="Times New Roman" panose="02020603050405020304" pitchFamily="18" charset="0"/>
+            </a:endParaRPr>
+          </a:p>
+          <a:p>
+            <a:pPr marL="0" marR="0" lvl="0" indent="0">
+              <a:lnSpc>
+                <a:spcPct val="107000"/>
+              </a:lnSpc>
+              <a:spcBef>
+                <a:spcPts val="0"/>
+              </a:spcBef>
+              <a:spcAft>
+                <a:spcPts val="0"/>
+              </a:spcAft>
+              <a:buNone/>
+            </a:pPr>
+            <a:r>
+              <a:rPr lang="en-US" sz="1800" dirty="0">
+                <a:effectLst/>
+                <a:latin typeface="Times New Roman" panose="02020603050405020304" pitchFamily="18" charset="0"/>
+                <a:ea typeface="Calibri" panose="020F0502020204030204" pitchFamily="34" charset="0"/>
+                <a:cs typeface="Times New Roman" panose="02020603050405020304" pitchFamily="18" charset="0"/>
+              </a:rPr>
+              <a:t>Research Questions:</a:t>
+            </a:r>
+          </a:p>
+          <a:p>
+            <a:pPr marL="342900" marR="0" lvl="0" indent="-342900">
+              <a:lnSpc>
+                <a:spcPct val="107000"/>
+              </a:lnSpc>
+              <a:spcBef>
+                <a:spcPts val="0"/>
+              </a:spcBef>
+              <a:spcAft>
+                <a:spcPts val="0"/>
+              </a:spcAft>
+              <a:buFont typeface="Times New Roman" panose="02020603050405020304" pitchFamily="18" charset="0"/>
+              <a:buChar char="-"/>
+            </a:pPr>
+            <a:r>
+              <a:rPr lang="en-US" sz="1800" dirty="0">
+                <a:effectLst/>
+                <a:latin typeface="Times New Roman" panose="02020603050405020304" pitchFamily="18" charset="0"/>
+                <a:ea typeface="Calibri" panose="020F0502020204030204" pitchFamily="34" charset="0"/>
+                <a:cs typeface="Times New Roman" panose="02020603050405020304" pitchFamily="18" charset="0"/>
+              </a:rPr>
+              <a:t>Q1: Are there any differences COVID infection and vaccination rates between lower poverty and higher poverty counties?</a:t>
+            </a:r>
+            <a:endParaRPr lang="en-US" sz="1800" dirty="0">
+              <a:effectLst/>
+              <a:latin typeface="Calibri" panose="020F0502020204030204" pitchFamily="34" charset="0"/>
+              <a:ea typeface="Calibri" panose="020F0502020204030204" pitchFamily="34" charset="0"/>
+              <a:cs typeface="Times New Roman" panose="02020603050405020304" pitchFamily="18" charset="0"/>
+            </a:endParaRPr>
+          </a:p>
+          <a:p>
+            <a:pPr marL="342900" marR="0" lvl="0" indent="-342900">
+              <a:lnSpc>
+                <a:spcPct val="107000"/>
+              </a:lnSpc>
+              <a:spcBef>
+                <a:spcPts val="0"/>
+              </a:spcBef>
+              <a:spcAft>
+                <a:spcPts val="0"/>
+              </a:spcAft>
+              <a:buFont typeface="Times New Roman" panose="02020603050405020304" pitchFamily="18" charset="0"/>
+              <a:buChar char="-"/>
+            </a:pPr>
+            <a:r>
+              <a:rPr lang="en-US" sz="1800" dirty="0">
+                <a:effectLst/>
+                <a:latin typeface="Times New Roman" panose="02020603050405020304" pitchFamily="18" charset="0"/>
+                <a:ea typeface="Calibri" panose="020F0502020204030204" pitchFamily="34" charset="0"/>
+                <a:cs typeface="Times New Roman" panose="02020603050405020304" pitchFamily="18" charset="0"/>
+              </a:rPr>
+              <a:t>Q2: Which states have the highest vaccination and infection rates?</a:t>
+            </a:r>
+            <a:endParaRPr lang="en-US" sz="1800" dirty="0">
+              <a:effectLst/>
+              <a:latin typeface="Calibri" panose="020F0502020204030204" pitchFamily="34" charset="0"/>
+              <a:ea typeface="Calibri" panose="020F0502020204030204" pitchFamily="34" charset="0"/>
+              <a:cs typeface="Times New Roman" panose="02020603050405020304" pitchFamily="18" charset="0"/>
+            </a:endParaRPr>
+          </a:p>
+          <a:p>
+            <a:pPr marL="342900" marR="0" lvl="0" indent="-342900">
+              <a:lnSpc>
+                <a:spcPct val="107000"/>
+              </a:lnSpc>
+              <a:spcBef>
+                <a:spcPts val="0"/>
+              </a:spcBef>
+              <a:spcAft>
+                <a:spcPts val="0"/>
+              </a:spcAft>
+              <a:buFont typeface="Times New Roman" panose="02020603050405020304" pitchFamily="18" charset="0"/>
+              <a:buChar char="-"/>
+            </a:pPr>
+            <a:r>
+              <a:rPr lang="en-US" sz="1800" dirty="0">
+                <a:effectLst/>
+                <a:latin typeface="Times New Roman" panose="02020603050405020304" pitchFamily="18" charset="0"/>
+                <a:ea typeface="Calibri" panose="020F0502020204030204" pitchFamily="34" charset="0"/>
+                <a:cs typeface="Times New Roman" panose="02020603050405020304" pitchFamily="18" charset="0"/>
+              </a:rPr>
+              <a:t>Q3: Which counties in the US had the highest/lowest infection and vaccination rates?</a:t>
+            </a:r>
+            <a:endParaRPr lang="en-US" sz="1800" dirty="0">
+              <a:effectLst/>
+              <a:latin typeface="Calibri" panose="020F0502020204030204" pitchFamily="34" charset="0"/>
+              <a:ea typeface="Calibri" panose="020F0502020204030204" pitchFamily="34" charset="0"/>
+              <a:cs typeface="Times New Roman" panose="02020603050405020304" pitchFamily="18" charset="0"/>
+            </a:endParaRPr>
+          </a:p>
+          <a:p>
+            <a:pPr marL="342900" marR="0" lvl="0" indent="-342900">
+              <a:lnSpc>
+                <a:spcPct val="107000"/>
+              </a:lnSpc>
+              <a:spcBef>
+                <a:spcPts val="0"/>
+              </a:spcBef>
+              <a:spcAft>
+                <a:spcPts val="0"/>
+              </a:spcAft>
+              <a:buFont typeface="Times New Roman" panose="02020603050405020304" pitchFamily="18" charset="0"/>
+              <a:buChar char="-"/>
+            </a:pPr>
+            <a:r>
+              <a:rPr lang="en-US" sz="1800" dirty="0">
+                <a:effectLst/>
+                <a:latin typeface="Times New Roman" panose="02020603050405020304" pitchFamily="18" charset="0"/>
+                <a:ea typeface="Calibri" panose="020F0502020204030204" pitchFamily="34" charset="0"/>
+                <a:cs typeface="Times New Roman" panose="02020603050405020304" pitchFamily="18" charset="0"/>
+              </a:rPr>
+              <a:t>Q4: Does vaccination rate predict infection and hospitalization rates?</a:t>
+            </a:r>
+            <a:endParaRPr lang="en-US" sz="1800" dirty="0">
+              <a:effectLst/>
+              <a:latin typeface="Calibri" panose="020F0502020204030204" pitchFamily="34" charset="0"/>
+              <a:ea typeface="Calibri" panose="020F0502020204030204" pitchFamily="34" charset="0"/>
+              <a:cs typeface="Times New Roman" panose="02020603050405020304" pitchFamily="18" charset="0"/>
+            </a:endParaRPr>
+          </a:p>
+          <a:p>
+            <a:pPr marL="342900" marR="0" lvl="0" indent="-342900">
+              <a:lnSpc>
+                <a:spcPct val="107000"/>
+              </a:lnSpc>
+              <a:spcBef>
+                <a:spcPts val="0"/>
+              </a:spcBef>
+              <a:spcAft>
+                <a:spcPts val="800"/>
+              </a:spcAft>
+              <a:buFont typeface="Times New Roman" panose="02020603050405020304" pitchFamily="18" charset="0"/>
+              <a:buChar char="-"/>
+            </a:pPr>
+            <a:r>
+              <a:rPr lang="en-US" sz="1800" dirty="0">
+                <a:effectLst/>
+                <a:latin typeface="Times New Roman" panose="02020603050405020304" pitchFamily="18" charset="0"/>
+                <a:ea typeface="Calibri" panose="020F0502020204030204" pitchFamily="34" charset="0"/>
+                <a:cs typeface="Times New Roman" panose="02020603050405020304" pitchFamily="18" charset="0"/>
+              </a:rPr>
+              <a:t>Q5: Do educational attainment differences within counties predict vaccination and infection rates?</a:t>
+            </a:r>
+            <a:endParaRPr lang="en-US" sz="1800" dirty="0">
+              <a:effectLst/>
+              <a:latin typeface="Calibri" panose="020F0502020204030204" pitchFamily="34" charset="0"/>
+              <a:ea typeface="Calibri" panose="020F0502020204030204" pitchFamily="34" charset="0"/>
+              <a:cs typeface="Times New Roman" panose="02020603050405020304" pitchFamily="18" charset="0"/>
+            </a:endParaRPr>
+          </a:p>
+          <a:p>
+            <a:endParaRPr lang="en-US" dirty="0"/>
+          </a:p>
+        </p:txBody>
+      </p:sp>
+    </p:spTree>
+    <p:extLst>
+      <p:ext uri="{BB962C8B-B14F-4D97-AF65-F5344CB8AC3E}">
+        <p14:creationId xmlns:p14="http://schemas.microsoft.com/office/powerpoint/2010/main" val="12612384"/>
+      </p:ext>
+    </p:extLst>
+  </p:cSld>
+  <p:clrMapOvr>
+    <a:masterClrMapping/>
+  </p:clrMapOvr>
+</p:sld>
+</file>
+
+<file path=ppt/slides/slide4.xml><?xml version="1.0" encoding="utf-8"?>
+<p:sld xmlns:a="http://schemas.openxmlformats.org/drawingml/2006/main" xmlns:r="http://schemas.openxmlformats.org/officeDocument/2006/relationships" xmlns:p="http://schemas.openxmlformats.org/presentationml/2006/main">
+  <p:cSld>
+    <p:spTree>
+      <p:nvGrpSpPr>
+        <p:cNvPr id="1" name=""/>
+        <p:cNvGrpSpPr/>
+        <p:nvPr/>
+      </p:nvGrpSpPr>
+      <p:grpSpPr>
+        <a:xfrm>
+          <a:off x="0" y="0"/>
+          <a:ext cx="0" cy="0"/>
+          <a:chOff x="0" y="0"/>
+          <a:chExt cx="0" cy="0"/>
+        </a:xfrm>
+      </p:grpSpPr>
+      <p:sp>
+        <p:nvSpPr>
+          <p:cNvPr id="2" name="Title 1">
+            <a:extLst>
+              <a:ext uri="{FF2B5EF4-FFF2-40B4-BE49-F238E27FC236}">
                 <a16:creationId xmlns:a16="http://schemas.microsoft.com/office/drawing/2014/main" id="{EBDD342C-2817-10F8-B57B-AAB649CB314E}"/>
               </a:ext>
             </a:extLst>
@@ -4479,7 +5343,7 @@
 </p:sld>
 </file>
 
-<file path=ppt/slides/slide3.xml><?xml version="1.0" encoding="utf-8"?>
+<file path=ppt/slides/slide5.xml><?xml version="1.0" encoding="utf-8"?>
 <p:sld xmlns:a="http://schemas.openxmlformats.org/drawingml/2006/main" xmlns:r="http://schemas.openxmlformats.org/officeDocument/2006/relationships" xmlns:p="http://schemas.openxmlformats.org/presentationml/2006/main">
   <p:cSld>
     <p:bg>
@@ -5152,7 +6016,7 @@
 </p:sld>
 </file>
 
-<file path=ppt/slides/slide4.xml><?xml version="1.0" encoding="utf-8"?>
+<file path=ppt/slides/slide6.xml><?xml version="1.0" encoding="utf-8"?>
 <p:sld xmlns:a="http://schemas.openxmlformats.org/drawingml/2006/main" xmlns:r="http://schemas.openxmlformats.org/officeDocument/2006/relationships" xmlns:p="http://schemas.openxmlformats.org/presentationml/2006/main">
   <p:cSld>
     <p:bg>
@@ -6395,470 +7259,6 @@
 </p:sld>
 </file>
 
-<file path=ppt/slides/slide5.xml><?xml version="1.0" encoding="utf-8"?>
-<p:sld xmlns:a="http://schemas.openxmlformats.org/drawingml/2006/main" xmlns:r="http://schemas.openxmlformats.org/officeDocument/2006/relationships" xmlns:p="http://schemas.openxmlformats.org/presentationml/2006/main">
-  <p:cSld>
-    <p:spTree>
-      <p:nvGrpSpPr>
-        <p:cNvPr id="1" name=""/>
-        <p:cNvGrpSpPr/>
-        <p:nvPr/>
-      </p:nvGrpSpPr>
-      <p:grpSpPr>
-        <a:xfrm>
-          <a:off x="0" y="0"/>
-          <a:ext cx="0" cy="0"/>
-          <a:chOff x="0" y="0"/>
-          <a:chExt cx="0" cy="0"/>
-        </a:xfrm>
-      </p:grpSpPr>
-      <p:sp>
-        <p:nvSpPr>
-          <p:cNvPr id="2" name="Title 1">
-            <a:extLst>
-              <a:ext uri="{FF2B5EF4-FFF2-40B4-BE49-F238E27FC236}">
-                <a16:creationId xmlns:a16="http://schemas.microsoft.com/office/drawing/2014/main" id="{3D57F178-AD3B-B411-65D0-38DCED4C72DE}"/>
-              </a:ext>
-            </a:extLst>
-          </p:cNvPr>
-          <p:cNvSpPr>
-            <a:spLocks noGrp="1"/>
-          </p:cNvSpPr>
-          <p:nvPr>
-            <p:ph type="title"/>
-          </p:nvPr>
-        </p:nvSpPr>
-        <p:spPr>
-          <a:xfrm>
-            <a:off x="1066800" y="303052"/>
-            <a:ext cx="10058400" cy="1152744"/>
-          </a:xfrm>
-        </p:spPr>
-        <p:txBody>
-          <a:bodyPr>
-            <a:normAutofit/>
-          </a:bodyPr>
-          <a:lstStyle/>
-          <a:p>
-            <a:r>
-              <a:rPr lang="en-US" sz="3200" dirty="0"/>
-              <a:t>Q2 Which states have the highest vaccination and infection rates?</a:t>
-            </a:r>
-          </a:p>
-        </p:txBody>
-      </p:sp>
-      <p:pic>
-        <p:nvPicPr>
-          <p:cNvPr id="6" name="Picture 5">
-            <a:extLst>
-              <a:ext uri="{FF2B5EF4-FFF2-40B4-BE49-F238E27FC236}">
-                <a16:creationId xmlns:a16="http://schemas.microsoft.com/office/drawing/2014/main" id="{B2F3CC59-ACF4-E20D-8D85-2C907C239F39}"/>
-              </a:ext>
-            </a:extLst>
-          </p:cNvPr>
-          <p:cNvPicPr>
-            <a:picLocks noChangeAspect="1"/>
-          </p:cNvPicPr>
-          <p:nvPr/>
-        </p:nvPicPr>
-        <p:blipFill>
-          <a:blip r:embed="rId2"/>
-          <a:stretch>
-            <a:fillRect/>
-          </a:stretch>
-        </p:blipFill>
-        <p:spPr>
-          <a:xfrm>
-            <a:off x="7627003" y="2016722"/>
-            <a:ext cx="4376107" cy="4029908"/>
-          </a:xfrm>
-          <a:prstGeom prst="rect">
-            <a:avLst/>
-          </a:prstGeom>
-        </p:spPr>
-      </p:pic>
-      <p:pic>
-        <p:nvPicPr>
-          <p:cNvPr id="8" name="Picture 7">
-            <a:extLst>
-              <a:ext uri="{FF2B5EF4-FFF2-40B4-BE49-F238E27FC236}">
-                <a16:creationId xmlns:a16="http://schemas.microsoft.com/office/drawing/2014/main" id="{B2877C50-73C7-F370-9D75-7EE38FB0D251}"/>
-              </a:ext>
-            </a:extLst>
-          </p:cNvPr>
-          <p:cNvPicPr>
-            <a:picLocks noChangeAspect="1"/>
-          </p:cNvPicPr>
-          <p:nvPr/>
-        </p:nvPicPr>
-        <p:blipFill>
-          <a:blip r:embed="rId3"/>
-          <a:stretch>
-            <a:fillRect/>
-          </a:stretch>
-        </p:blipFill>
-        <p:spPr>
-          <a:xfrm>
-            <a:off x="188890" y="1862176"/>
-            <a:ext cx="4380335" cy="4029908"/>
-          </a:xfrm>
-          <a:prstGeom prst="rect">
-            <a:avLst/>
-          </a:prstGeom>
-        </p:spPr>
-      </p:pic>
-      <p:sp>
-        <p:nvSpPr>
-          <p:cNvPr id="9" name="TextBox 8">
-            <a:extLst>
-              <a:ext uri="{FF2B5EF4-FFF2-40B4-BE49-F238E27FC236}">
-                <a16:creationId xmlns:a16="http://schemas.microsoft.com/office/drawing/2014/main" id="{1AC40FC1-2B61-EB70-FE08-E04CF8C92425}"/>
-              </a:ext>
-            </a:extLst>
-          </p:cNvPr>
-          <p:cNvSpPr txBox="1"/>
-          <p:nvPr/>
-        </p:nvSpPr>
-        <p:spPr>
-          <a:xfrm>
-            <a:off x="4700789" y="2125014"/>
-            <a:ext cx="2921988" cy="2862322"/>
-          </a:xfrm>
-          <a:prstGeom prst="rect">
-            <a:avLst/>
-          </a:prstGeom>
-          <a:noFill/>
-        </p:spPr>
-        <p:txBody>
-          <a:bodyPr wrap="square" rtlCol="0">
-            <a:spAutoFit/>
-          </a:bodyPr>
-          <a:lstStyle/>
-          <a:p>
-            <a:r>
-              <a:rPr lang="en-US" dirty="0"/>
-              <a:t>- The bottom 5 states of vaccination rates are Southern states and 4 of the top 5 states are Northeastern states.</a:t>
-            </a:r>
-          </a:p>
-          <a:p>
-            <a:endParaRPr lang="en-US" dirty="0"/>
-          </a:p>
-          <a:p>
-            <a:r>
-              <a:rPr lang="en-US" dirty="0"/>
-              <a:t>- We cannot draw conclusions from the bar charts.</a:t>
-            </a:r>
-          </a:p>
-          <a:p>
-            <a:endParaRPr lang="en-US" dirty="0"/>
-          </a:p>
-        </p:txBody>
-      </p:sp>
-    </p:spTree>
-    <p:extLst>
-      <p:ext uri="{BB962C8B-B14F-4D97-AF65-F5344CB8AC3E}">
-        <p14:creationId xmlns:p14="http://schemas.microsoft.com/office/powerpoint/2010/main" val="2190371436"/>
-      </p:ext>
-    </p:extLst>
-  </p:cSld>
-  <p:clrMapOvr>
-    <a:masterClrMapping/>
-  </p:clrMapOvr>
-</p:sld>
-</file>
-
-<file path=ppt/slides/slide6.xml><?xml version="1.0" encoding="utf-8"?>
-<p:sld xmlns:a="http://schemas.openxmlformats.org/drawingml/2006/main" xmlns:r="http://schemas.openxmlformats.org/officeDocument/2006/relationships" xmlns:p="http://schemas.openxmlformats.org/presentationml/2006/main">
-  <p:cSld>
-    <p:spTree>
-      <p:nvGrpSpPr>
-        <p:cNvPr id="1" name=""/>
-        <p:cNvGrpSpPr/>
-        <p:nvPr/>
-      </p:nvGrpSpPr>
-      <p:grpSpPr>
-        <a:xfrm>
-          <a:off x="0" y="0"/>
-          <a:ext cx="0" cy="0"/>
-          <a:chOff x="0" y="0"/>
-          <a:chExt cx="0" cy="0"/>
-        </a:xfrm>
-      </p:grpSpPr>
-      <p:sp>
-        <p:nvSpPr>
-          <p:cNvPr id="2" name="Title 1">
-            <a:extLst>
-              <a:ext uri="{FF2B5EF4-FFF2-40B4-BE49-F238E27FC236}">
-                <a16:creationId xmlns:a16="http://schemas.microsoft.com/office/drawing/2014/main" id="{3D57F178-AD3B-B411-65D0-38DCED4C72DE}"/>
-              </a:ext>
-            </a:extLst>
-          </p:cNvPr>
-          <p:cNvSpPr>
-            <a:spLocks noGrp="1"/>
-          </p:cNvSpPr>
-          <p:nvPr>
-            <p:ph type="title"/>
-          </p:nvPr>
-        </p:nvSpPr>
-        <p:spPr>
-          <a:xfrm>
-            <a:off x="1097280" y="412533"/>
-            <a:ext cx="10058400" cy="1152744"/>
-          </a:xfrm>
-        </p:spPr>
-        <p:txBody>
-          <a:bodyPr>
-            <a:normAutofit/>
-          </a:bodyPr>
-          <a:lstStyle/>
-          <a:p>
-            <a:r>
-              <a:rPr lang="en-US" sz="3200" dirty="0"/>
-              <a:t>Q3 Which counties in the US had the highest/lowest infection and vaccination rates?</a:t>
-            </a:r>
-          </a:p>
-        </p:txBody>
-      </p:sp>
-      <p:sp>
-        <p:nvSpPr>
-          <p:cNvPr id="3" name="Content Placeholder 2">
-            <a:extLst>
-              <a:ext uri="{FF2B5EF4-FFF2-40B4-BE49-F238E27FC236}">
-                <a16:creationId xmlns:a16="http://schemas.microsoft.com/office/drawing/2014/main" id="{569283CB-10A8-8006-AD90-517C248B7F6C}"/>
-              </a:ext>
-            </a:extLst>
-          </p:cNvPr>
-          <p:cNvSpPr>
-            <a:spLocks noGrp="1"/>
-          </p:cNvSpPr>
-          <p:nvPr>
-            <p:ph sz="half" idx="1"/>
-          </p:nvPr>
-        </p:nvSpPr>
-        <p:spPr/>
-        <p:txBody>
-          <a:bodyPr/>
-          <a:lstStyle/>
-          <a:p>
-            <a:pPr algn="ctr"/>
-            <a:r>
-              <a:rPr lang="en-US" dirty="0"/>
-              <a:t>Highest Infection</a:t>
-            </a:r>
-          </a:p>
-          <a:p>
-            <a:pPr algn="ctr"/>
-            <a:endParaRPr lang="en-US" dirty="0"/>
-          </a:p>
-          <a:p>
-            <a:pPr algn="ctr"/>
-            <a:endParaRPr lang="en-US" dirty="0"/>
-          </a:p>
-          <a:p>
-            <a:pPr algn="ctr"/>
-            <a:endParaRPr lang="en-US" dirty="0"/>
-          </a:p>
-          <a:p>
-            <a:pPr algn="ctr"/>
-            <a:endParaRPr lang="en-US" dirty="0"/>
-          </a:p>
-          <a:p>
-            <a:pPr algn="ctr"/>
-            <a:r>
-              <a:rPr lang="en-US" dirty="0"/>
-              <a:t>Lowest Infection</a:t>
-            </a:r>
-          </a:p>
-        </p:txBody>
-      </p:sp>
-      <p:sp>
-        <p:nvSpPr>
-          <p:cNvPr id="4" name="Content Placeholder 3">
-            <a:extLst>
-              <a:ext uri="{FF2B5EF4-FFF2-40B4-BE49-F238E27FC236}">
-                <a16:creationId xmlns:a16="http://schemas.microsoft.com/office/drawing/2014/main" id="{469FA81E-ADD9-6266-BF5B-8C88170B5A2B}"/>
-              </a:ext>
-            </a:extLst>
-          </p:cNvPr>
-          <p:cNvSpPr>
-            <a:spLocks noGrp="1"/>
-          </p:cNvSpPr>
-          <p:nvPr>
-            <p:ph sz="half" idx="2"/>
-          </p:nvPr>
-        </p:nvSpPr>
-        <p:spPr/>
-        <p:txBody>
-          <a:bodyPr/>
-          <a:lstStyle/>
-          <a:p>
-            <a:pPr algn="ctr"/>
-            <a:r>
-              <a:rPr lang="en-US" dirty="0"/>
-              <a:t>Highest Vaccination</a:t>
-            </a:r>
-          </a:p>
-          <a:p>
-            <a:pPr algn="ctr"/>
-            <a:endParaRPr lang="en-US" dirty="0"/>
-          </a:p>
-          <a:p>
-            <a:pPr algn="ctr"/>
-            <a:endParaRPr lang="en-US" dirty="0"/>
-          </a:p>
-          <a:p>
-            <a:pPr algn="ctr"/>
-            <a:endParaRPr lang="en-US" dirty="0"/>
-          </a:p>
-          <a:p>
-            <a:pPr algn="ctr"/>
-            <a:endParaRPr lang="en-US" dirty="0"/>
-          </a:p>
-          <a:p>
-            <a:pPr algn="ctr"/>
-            <a:r>
-              <a:rPr lang="en-US" dirty="0"/>
-              <a:t>Lowest Vaccination</a:t>
-            </a:r>
-          </a:p>
-          <a:p>
-            <a:endParaRPr lang="en-US" dirty="0"/>
-          </a:p>
-        </p:txBody>
-      </p:sp>
-      <p:pic>
-        <p:nvPicPr>
-          <p:cNvPr id="6" name="Picture 5" descr="Table&#10;&#10;Description automatically generated with medium confidence">
-            <a:extLst>
-              <a:ext uri="{FF2B5EF4-FFF2-40B4-BE49-F238E27FC236}">
-                <a16:creationId xmlns:a16="http://schemas.microsoft.com/office/drawing/2014/main" id="{788B1271-E6E2-4E26-B3A5-203D24126DC8}"/>
-              </a:ext>
-            </a:extLst>
-          </p:cNvPr>
-          <p:cNvPicPr>
-            <a:picLocks noChangeAspect="1"/>
-          </p:cNvPicPr>
-          <p:nvPr/>
-        </p:nvPicPr>
-        <p:blipFill>
-          <a:blip r:embed="rId2"/>
-          <a:stretch>
-            <a:fillRect/>
-          </a:stretch>
-        </p:blipFill>
-        <p:spPr>
-          <a:xfrm>
-            <a:off x="2342364" y="4461055"/>
-            <a:ext cx="2924832" cy="1817575"/>
-          </a:xfrm>
-          <a:prstGeom prst="rect">
-            <a:avLst/>
-          </a:prstGeom>
-        </p:spPr>
-      </p:pic>
-      <p:pic>
-        <p:nvPicPr>
-          <p:cNvPr id="8" name="Picture 7" descr="Graphical user interface&#10;&#10;Description automatically generated with low confidence">
-            <a:extLst>
-              <a:ext uri="{FF2B5EF4-FFF2-40B4-BE49-F238E27FC236}">
-                <a16:creationId xmlns:a16="http://schemas.microsoft.com/office/drawing/2014/main" id="{2A099509-B9A8-01A5-B339-F3F2EFDC5743}"/>
-              </a:ext>
-            </a:extLst>
-          </p:cNvPr>
-          <p:cNvPicPr>
-            <a:picLocks noChangeAspect="1"/>
-          </p:cNvPicPr>
-          <p:nvPr/>
-        </p:nvPicPr>
-        <p:blipFill>
-          <a:blip r:embed="rId3"/>
-          <a:stretch>
-            <a:fillRect/>
-          </a:stretch>
-        </p:blipFill>
-        <p:spPr>
-          <a:xfrm>
-            <a:off x="1871631" y="2175233"/>
-            <a:ext cx="3389054" cy="1773220"/>
-          </a:xfrm>
-          <a:prstGeom prst="rect">
-            <a:avLst/>
-          </a:prstGeom>
-        </p:spPr>
-      </p:pic>
-      <p:pic>
-        <p:nvPicPr>
-          <p:cNvPr id="10" name="Picture 9" descr="Table&#10;&#10;Description automatically generated">
-            <a:extLst>
-              <a:ext uri="{FF2B5EF4-FFF2-40B4-BE49-F238E27FC236}">
-                <a16:creationId xmlns:a16="http://schemas.microsoft.com/office/drawing/2014/main" id="{EB71659A-BD28-6397-4D3B-E1AC6A1A3C47}"/>
-              </a:ext>
-            </a:extLst>
-          </p:cNvPr>
-          <p:cNvPicPr>
-            <a:picLocks noChangeAspect="1"/>
-          </p:cNvPicPr>
-          <p:nvPr/>
-        </p:nvPicPr>
-        <p:blipFill>
-          <a:blip r:embed="rId4"/>
-          <a:stretch>
-            <a:fillRect/>
-          </a:stretch>
-        </p:blipFill>
-        <p:spPr>
-          <a:xfrm>
-            <a:off x="6985762" y="4430575"/>
-            <a:ext cx="3396649" cy="1878533"/>
-          </a:xfrm>
-          <a:prstGeom prst="rect">
-            <a:avLst/>
-          </a:prstGeom>
-        </p:spPr>
-      </p:pic>
-      <p:pic>
-        <p:nvPicPr>
-          <p:cNvPr id="12" name="Picture 11" descr="Table&#10;&#10;Description automatically generated with medium confidence">
-            <a:extLst>
-              <a:ext uri="{FF2B5EF4-FFF2-40B4-BE49-F238E27FC236}">
-                <a16:creationId xmlns:a16="http://schemas.microsoft.com/office/drawing/2014/main" id="{C2F1B535-BCDD-AE02-38D0-752469DFC386}"/>
-              </a:ext>
-            </a:extLst>
-          </p:cNvPr>
-          <p:cNvPicPr>
-            <a:picLocks noChangeAspect="1"/>
-          </p:cNvPicPr>
-          <p:nvPr/>
-        </p:nvPicPr>
-        <p:blipFill>
-          <a:blip r:embed="rId5"/>
-          <a:stretch>
-            <a:fillRect/>
-          </a:stretch>
-        </p:blipFill>
-        <p:spPr>
-          <a:xfrm>
-            <a:off x="7133878" y="2251545"/>
-            <a:ext cx="3100416" cy="1773220"/>
-          </a:xfrm>
-          <a:prstGeom prst="rect">
-            <a:avLst/>
-          </a:prstGeom>
-        </p:spPr>
-      </p:pic>
-    </p:spTree>
-    <p:extLst>
-      <p:ext uri="{BB962C8B-B14F-4D97-AF65-F5344CB8AC3E}">
-        <p14:creationId xmlns:p14="http://schemas.microsoft.com/office/powerpoint/2010/main" val="119183711"/>
-      </p:ext>
-    </p:extLst>
-  </p:cSld>
-  <p:clrMapOvr>
-    <a:masterClrMapping/>
-  </p:clrMapOvr>
-</p:sld>
-</file>
-
 <file path=ppt/slides/slide7.xml><?xml version="1.0" encoding="utf-8"?>
 <p:sld xmlns:a="http://schemas.openxmlformats.org/drawingml/2006/main" xmlns:r="http://schemas.openxmlformats.org/officeDocument/2006/relationships" xmlns:p="http://schemas.openxmlformats.org/presentationml/2006/main">
   <p:cSld>
@@ -6906,90 +7306,8 @@
           <a:p>
             <a:r>
               <a:rPr lang="en-US" sz="3200" dirty="0"/>
-              <a:t>Q4A Does vaccination rate predict infection rates?</a:t>
-            </a:r>
-          </a:p>
-        </p:txBody>
-      </p:sp>
-      <p:sp>
-        <p:nvSpPr>
-          <p:cNvPr id="3" name="Content Placeholder 2">
-            <a:extLst>
-              <a:ext uri="{FF2B5EF4-FFF2-40B4-BE49-F238E27FC236}">
-                <a16:creationId xmlns:a16="http://schemas.microsoft.com/office/drawing/2014/main" id="{569283CB-10A8-8006-AD90-517C248B7F6C}"/>
-              </a:ext>
-            </a:extLst>
-          </p:cNvPr>
-          <p:cNvSpPr>
-            <a:spLocks noGrp="1"/>
-          </p:cNvSpPr>
-          <p:nvPr>
-            <p:ph sz="half" idx="1"/>
-          </p:nvPr>
-        </p:nvSpPr>
-        <p:spPr>
-          <a:xfrm>
-            <a:off x="196187" y="1822564"/>
-            <a:ext cx="4029797" cy="4023360"/>
-          </a:xfrm>
-        </p:spPr>
-        <p:txBody>
-          <a:bodyPr/>
-          <a:lstStyle/>
-          <a:p>
-            <a:r>
-              <a:rPr lang="en-US" dirty="0"/>
-              <a:t>- Dataset contained several outliers due to inaccuracy in the dataset we validated this with boxplots. We removed three states to improve data accuracy.</a:t>
-            </a:r>
-          </a:p>
-          <a:p>
-            <a:r>
-              <a:rPr lang="en-US" dirty="0"/>
-              <a:t>- </a:t>
-            </a:r>
-            <a:r>
-              <a:rPr lang="en-US" b="0" i="0" dirty="0">
-                <a:solidFill>
-                  <a:srgbClr val="1D1C1D"/>
-                </a:solidFill>
-                <a:effectLst/>
-                <a:latin typeface="Slack-Lato"/>
-              </a:rPr>
-              <a:t>The R-value was above the 0.05 mark with 0.33. </a:t>
-            </a:r>
-          </a:p>
-          <a:p>
-            <a:r>
-              <a:rPr lang="en-US" dirty="0">
-                <a:solidFill>
-                  <a:srgbClr val="1D1C1D"/>
-                </a:solidFill>
-                <a:latin typeface="Slack-Lato"/>
-              </a:rPr>
-              <a:t>- </a:t>
-            </a:r>
-            <a:r>
-              <a:rPr lang="en-US" b="0" i="0" dirty="0">
-                <a:solidFill>
-                  <a:srgbClr val="1D1C1D"/>
-                </a:solidFill>
-                <a:effectLst/>
-                <a:latin typeface="Slack-Lato"/>
-              </a:rPr>
-              <a:t>With a p value of 0.02 we can say that results are statistically significant.</a:t>
-            </a:r>
-          </a:p>
-          <a:p>
-            <a:r>
-              <a:rPr lang="en-US" dirty="0">
-                <a:solidFill>
-                  <a:srgbClr val="1D1C1D"/>
-                </a:solidFill>
-                <a:latin typeface="Slack-Lato"/>
-              </a:rPr>
-              <a:t>- Higher vaccination rates correspond to lower case rates within counties. </a:t>
-            </a:r>
-            <a:endParaRPr lang="en-US" dirty="0"/>
+              <a:t>Q2 Which states have the highest vaccination and infection rates?</a:t>
+            </a:r>
           </a:p>
         </p:txBody>
       </p:sp>
@@ -6998,7 +7316,7 @@
           <p:cNvPr id="6" name="Picture 5">
             <a:extLst>
               <a:ext uri="{FF2B5EF4-FFF2-40B4-BE49-F238E27FC236}">
-                <a16:creationId xmlns:a16="http://schemas.microsoft.com/office/drawing/2014/main" id="{72367EF4-9174-4AEB-8578-5F33E6F69A85}"/>
+                <a16:creationId xmlns:a16="http://schemas.microsoft.com/office/drawing/2014/main" id="{B2F3CC59-ACF4-E20D-8D85-2C907C239F39}"/>
               </a:ext>
             </a:extLst>
           </p:cNvPr>
@@ -7015,8 +7333,8 @@
         </p:blipFill>
         <p:spPr>
           <a:xfrm>
-            <a:off x="8950817" y="1403357"/>
-            <a:ext cx="3241182" cy="2430887"/>
+            <a:off x="7627003" y="2016722"/>
+            <a:ext cx="4376107" cy="4029908"/>
           </a:xfrm>
           <a:prstGeom prst="rect">
             <a:avLst/>
@@ -7028,7 +7346,7 @@
           <p:cNvPr id="8" name="Picture 7">
             <a:extLst>
               <a:ext uri="{FF2B5EF4-FFF2-40B4-BE49-F238E27FC236}">
-                <a16:creationId xmlns:a16="http://schemas.microsoft.com/office/drawing/2014/main" id="{2F132B63-772F-B268-2C64-425619EBCCFC}"/>
+                <a16:creationId xmlns:a16="http://schemas.microsoft.com/office/drawing/2014/main" id="{B2877C50-73C7-F370-9D75-7EE38FB0D251}"/>
               </a:ext>
             </a:extLst>
           </p:cNvPr>
@@ -7045,48 +7363,65 @@
         </p:blipFill>
         <p:spPr>
           <a:xfrm>
-            <a:off x="8822028" y="3834245"/>
-            <a:ext cx="3369971" cy="2527478"/>
+            <a:off x="188890" y="1862176"/>
+            <a:ext cx="4380335" cy="4029908"/>
           </a:xfrm>
           <a:prstGeom prst="rect">
             <a:avLst/>
           </a:prstGeom>
         </p:spPr>
       </p:pic>
-      <p:pic>
-        <p:nvPicPr>
-          <p:cNvPr id="9" name="Picture 8">
+      <p:sp>
+        <p:nvSpPr>
+          <p:cNvPr id="9" name="TextBox 8">
             <a:extLst>
               <a:ext uri="{FF2B5EF4-FFF2-40B4-BE49-F238E27FC236}">
-                <a16:creationId xmlns:a16="http://schemas.microsoft.com/office/drawing/2014/main" id="{3576DD2E-6CD9-A210-C450-03DA95899005}"/>
+                <a16:creationId xmlns:a16="http://schemas.microsoft.com/office/drawing/2014/main" id="{1AC40FC1-2B61-EB70-FE08-E04CF8C92425}"/>
               </a:ext>
             </a:extLst>
           </p:cNvPr>
-          <p:cNvPicPr>
-            <a:picLocks noChangeAspect="1"/>
-          </p:cNvPicPr>
+          <p:cNvSpPr txBox="1"/>
           <p:nvPr/>
-        </p:nvPicPr>
-        <p:blipFill>
-          <a:blip r:embed="rId4"/>
-          <a:stretch>
-            <a:fillRect/>
-          </a:stretch>
-        </p:blipFill>
-        <p:spPr>
-          <a:xfrm>
-            <a:off x="4225984" y="2556101"/>
-            <a:ext cx="4857053" cy="3642790"/>
+        </p:nvSpPr>
+        <p:spPr>
+          <a:xfrm>
+            <a:off x="4700789" y="2125014"/>
+            <a:ext cx="2921988" cy="2862322"/>
           </a:xfrm>
           <a:prstGeom prst="rect">
             <a:avLst/>
           </a:prstGeom>
-        </p:spPr>
-      </p:pic>
+          <a:noFill/>
+        </p:spPr>
+        <p:txBody>
+          <a:bodyPr wrap="square" rtlCol="0">
+            <a:spAutoFit/>
+          </a:bodyPr>
+          <a:lstStyle/>
+          <a:p>
+            <a:r>
+              <a:rPr lang="en-US" dirty="0"/>
+              <a:t>- The bottom 5 states of vaccination rates are Southern states and 4 of the top 5 states are Northeastern states.</a:t>
+            </a:r>
+          </a:p>
+          <a:p>
+            <a:endParaRPr lang="en-US" dirty="0"/>
+          </a:p>
+          <a:p>
+            <a:r>
+              <a:rPr lang="en-US" dirty="0"/>
+              <a:t>- We cannot draw conclusions from the bar charts.</a:t>
+            </a:r>
+          </a:p>
+          <a:p>
+            <a:endParaRPr lang="en-US" dirty="0"/>
+          </a:p>
+        </p:txBody>
+      </p:sp>
     </p:spTree>
     <p:extLst>
       <p:ext uri="{BB962C8B-B14F-4D97-AF65-F5344CB8AC3E}">
-        <p14:creationId xmlns:p14="http://schemas.microsoft.com/office/powerpoint/2010/main" val="3585691201"/>
+        <p14:creationId xmlns:p14="http://schemas.microsoft.com/office/powerpoint/2010/main" val="2190371436"/>
       </p:ext>
     </p:extLst>
   </p:cSld>
@@ -7143,26 +7478,131 @@
           <a:p>
             <a:r>
               <a:rPr lang="en-US" sz="3200" dirty="0"/>
-              <a:t>Q4B Does vaccination rate predict hospitalization rates?</a:t>
-            </a:r>
+              <a:t>Q3 Which counties in the US had the highest/lowest infection and vaccination rates?</a:t>
+            </a:r>
+          </a:p>
+        </p:txBody>
+      </p:sp>
+      <p:sp>
+        <p:nvSpPr>
+          <p:cNvPr id="3" name="Content Placeholder 2">
+            <a:extLst>
+              <a:ext uri="{FF2B5EF4-FFF2-40B4-BE49-F238E27FC236}">
+                <a16:creationId xmlns:a16="http://schemas.microsoft.com/office/drawing/2014/main" id="{569283CB-10A8-8006-AD90-517C248B7F6C}"/>
+              </a:ext>
+            </a:extLst>
+          </p:cNvPr>
+          <p:cNvSpPr>
+            <a:spLocks noGrp="1"/>
+          </p:cNvSpPr>
+          <p:nvPr>
+            <p:ph sz="half" idx="1"/>
+          </p:nvPr>
+        </p:nvSpPr>
+        <p:spPr/>
+        <p:txBody>
+          <a:bodyPr/>
+          <a:lstStyle/>
+          <a:p>
+            <a:pPr algn="ctr"/>
+            <a:r>
+              <a:rPr lang="en-US" dirty="0"/>
+              <a:t>Highest Infection</a:t>
+            </a:r>
+          </a:p>
+          <a:p>
+            <a:pPr algn="ctr"/>
+            <a:endParaRPr lang="en-US" dirty="0"/>
+          </a:p>
+          <a:p>
+            <a:pPr algn="ctr"/>
+            <a:endParaRPr lang="en-US" dirty="0"/>
+          </a:p>
+          <a:p>
+            <a:pPr algn="ctr"/>
+            <a:endParaRPr lang="en-US" dirty="0"/>
+          </a:p>
+          <a:p>
+            <a:pPr algn="ctr"/>
+            <a:endParaRPr lang="en-US" dirty="0"/>
+          </a:p>
+          <a:p>
+            <a:pPr algn="ctr"/>
+            <a:r>
+              <a:rPr lang="en-US" dirty="0"/>
+              <a:t>Lowest Infection</a:t>
+            </a:r>
+          </a:p>
+        </p:txBody>
+      </p:sp>
+      <p:sp>
+        <p:nvSpPr>
+          <p:cNvPr id="4" name="Content Placeholder 3">
+            <a:extLst>
+              <a:ext uri="{FF2B5EF4-FFF2-40B4-BE49-F238E27FC236}">
+                <a16:creationId xmlns:a16="http://schemas.microsoft.com/office/drawing/2014/main" id="{469FA81E-ADD9-6266-BF5B-8C88170B5A2B}"/>
+              </a:ext>
+            </a:extLst>
+          </p:cNvPr>
+          <p:cNvSpPr>
+            <a:spLocks noGrp="1"/>
+          </p:cNvSpPr>
+          <p:nvPr>
+            <p:ph sz="half" idx="2"/>
+          </p:nvPr>
+        </p:nvSpPr>
+        <p:spPr/>
+        <p:txBody>
+          <a:bodyPr/>
+          <a:lstStyle/>
+          <a:p>
+            <a:pPr algn="ctr"/>
+            <a:r>
+              <a:rPr lang="en-US" dirty="0"/>
+              <a:t>Highest Vaccination</a:t>
+            </a:r>
+          </a:p>
+          <a:p>
+            <a:pPr algn="ctr"/>
+            <a:endParaRPr lang="en-US" dirty="0"/>
+          </a:p>
+          <a:p>
+            <a:pPr algn="ctr"/>
+            <a:endParaRPr lang="en-US" dirty="0"/>
+          </a:p>
+          <a:p>
+            <a:pPr algn="ctr"/>
+            <a:endParaRPr lang="en-US" dirty="0"/>
+          </a:p>
+          <a:p>
+            <a:pPr algn="ctr"/>
+            <a:endParaRPr lang="en-US" dirty="0"/>
+          </a:p>
+          <a:p>
+            <a:pPr algn="ctr"/>
+            <a:r>
+              <a:rPr lang="en-US" dirty="0"/>
+              <a:t>Lowest Vaccination</a:t>
+            </a:r>
+          </a:p>
+          <a:p>
+            <a:endParaRPr lang="en-US" dirty="0"/>
           </a:p>
         </p:txBody>
       </p:sp>
       <p:pic>
         <p:nvPicPr>
-          <p:cNvPr id="10" name="Content Placeholder 9" descr="Chart, scatter chart&#10;&#10;Description automatically generated">
+          <p:cNvPr id="6" name="Picture 5" descr="Table&#10;&#10;Description automatically generated with medium confidence">
             <a:extLst>
               <a:ext uri="{FF2B5EF4-FFF2-40B4-BE49-F238E27FC236}">
-                <a16:creationId xmlns:a16="http://schemas.microsoft.com/office/drawing/2014/main" id="{444464C0-E57D-78C5-9873-5937F99D118A}"/>
+                <a16:creationId xmlns:a16="http://schemas.microsoft.com/office/drawing/2014/main" id="{788B1271-E6E2-4E26-B3A5-203D24126DC8}"/>
               </a:ext>
             </a:extLst>
           </p:cNvPr>
           <p:cNvPicPr>
-            <a:picLocks noGrp="1" noChangeAspect="1"/>
+            <a:picLocks noChangeAspect="1"/>
           </p:cNvPicPr>
-          <p:nvPr>
-            <p:ph sz="half" idx="1"/>
-          </p:nvPr>
+          <p:nvPr/>
         </p:nvPicPr>
         <p:blipFill>
           <a:blip r:embed="rId2"/>
@@ -7172,97 +7612,108 @@
         </p:blipFill>
         <p:spPr>
           <a:xfrm>
-            <a:off x="650395" y="1845735"/>
-            <a:ext cx="4938712" cy="3704034"/>
-          </a:xfrm>
+            <a:off x="2342364" y="4461055"/>
+            <a:ext cx="2924832" cy="1817575"/>
+          </a:xfrm>
+          <a:prstGeom prst="rect">
+            <a:avLst/>
+          </a:prstGeom>
         </p:spPr>
       </p:pic>
-      <p:sp>
-        <p:nvSpPr>
-          <p:cNvPr id="8" name="Content Placeholder 7">
+      <p:pic>
+        <p:nvPicPr>
+          <p:cNvPr id="8" name="Picture 7" descr="Graphical user interface&#10;&#10;Description automatically generated with low confidence">
             <a:extLst>
               <a:ext uri="{FF2B5EF4-FFF2-40B4-BE49-F238E27FC236}">
-                <a16:creationId xmlns:a16="http://schemas.microsoft.com/office/drawing/2014/main" id="{408EA740-6705-2297-0068-9254C5812799}"/>
+                <a16:creationId xmlns:a16="http://schemas.microsoft.com/office/drawing/2014/main" id="{2A099509-B9A8-01A5-B339-F3F2EFDC5743}"/>
               </a:ext>
             </a:extLst>
           </p:cNvPr>
-          <p:cNvSpPr>
-            <a:spLocks noGrp="1"/>
-          </p:cNvSpPr>
-          <p:nvPr>
-            <p:ph sz="half" idx="2"/>
-          </p:nvPr>
-        </p:nvSpPr>
-        <p:spPr/>
-        <p:txBody>
-          <a:bodyPr/>
-          <a:lstStyle/>
-          <a:p>
-            <a:pPr>
-              <a:buFont typeface="Wingdings" panose="05000000000000000000" pitchFamily="2" charset="2"/>
-              <a:buChar char="§"/>
-            </a:pPr>
-            <a:r>
-              <a:rPr lang="en-US" dirty="0"/>
-              <a:t>R= 0.13, p&lt;0.05</a:t>
-            </a:r>
-          </a:p>
-          <a:p>
-            <a:pPr>
-              <a:buFont typeface="Wingdings" panose="05000000000000000000" pitchFamily="2" charset="2"/>
-              <a:buChar char="§"/>
-            </a:pPr>
-            <a:r>
-              <a:rPr lang="en-US" dirty="0"/>
-              <a:t>Indicates significant positive relationship between vaccinations and bed usage. </a:t>
-            </a:r>
-          </a:p>
-          <a:p>
-            <a:pPr>
-              <a:buFont typeface="Wingdings" panose="05000000000000000000" pitchFamily="2" charset="2"/>
-              <a:buChar char="§"/>
-            </a:pPr>
-            <a:r>
-              <a:rPr lang="en-US" dirty="0"/>
-              <a:t>Surprise finding: More vaccinated counties have significantly higher bed usage.</a:t>
-            </a:r>
-          </a:p>
-          <a:p>
-            <a:pPr>
-              <a:buFont typeface="Wingdings" panose="05000000000000000000" pitchFamily="2" charset="2"/>
-              <a:buChar char="§"/>
-            </a:pPr>
-            <a:r>
-              <a:rPr lang="en-US" dirty="0"/>
-              <a:t>Note: Data on bed usage may not have been accurate. </a:t>
-            </a:r>
-          </a:p>
-          <a:p>
-            <a:pPr lvl="1">
-              <a:buFont typeface="Wingdings" panose="05000000000000000000" pitchFamily="2" charset="2"/>
-              <a:buChar char="§"/>
-            </a:pPr>
-            <a:r>
-              <a:rPr lang="en-US" dirty="0"/>
-              <a:t>Low reporting percentage.</a:t>
-            </a:r>
-          </a:p>
-          <a:p>
-            <a:pPr lvl="1">
-              <a:buFont typeface="Wingdings" panose="05000000000000000000" pitchFamily="2" charset="2"/>
-              <a:buChar char="§"/>
-            </a:pPr>
-            <a:r>
-              <a:rPr lang="en-US" dirty="0"/>
-              <a:t>Multiple usage percentages showed out of range values. </a:t>
-            </a:r>
-          </a:p>
-        </p:txBody>
-      </p:sp>
+          <p:cNvPicPr>
+            <a:picLocks noChangeAspect="1"/>
+          </p:cNvPicPr>
+          <p:nvPr/>
+        </p:nvPicPr>
+        <p:blipFill>
+          <a:blip r:embed="rId3"/>
+          <a:stretch>
+            <a:fillRect/>
+          </a:stretch>
+        </p:blipFill>
+        <p:spPr>
+          <a:xfrm>
+            <a:off x="1871631" y="2175233"/>
+            <a:ext cx="3389054" cy="1773220"/>
+          </a:xfrm>
+          <a:prstGeom prst="rect">
+            <a:avLst/>
+          </a:prstGeom>
+        </p:spPr>
+      </p:pic>
+      <p:pic>
+        <p:nvPicPr>
+          <p:cNvPr id="10" name="Picture 9" descr="Table&#10;&#10;Description automatically generated">
+            <a:extLst>
+              <a:ext uri="{FF2B5EF4-FFF2-40B4-BE49-F238E27FC236}">
+                <a16:creationId xmlns:a16="http://schemas.microsoft.com/office/drawing/2014/main" id="{EB71659A-BD28-6397-4D3B-E1AC6A1A3C47}"/>
+              </a:ext>
+            </a:extLst>
+          </p:cNvPr>
+          <p:cNvPicPr>
+            <a:picLocks noChangeAspect="1"/>
+          </p:cNvPicPr>
+          <p:nvPr/>
+        </p:nvPicPr>
+        <p:blipFill>
+          <a:blip r:embed="rId4"/>
+          <a:stretch>
+            <a:fillRect/>
+          </a:stretch>
+        </p:blipFill>
+        <p:spPr>
+          <a:xfrm>
+            <a:off x="6985762" y="4430575"/>
+            <a:ext cx="3396649" cy="1878533"/>
+          </a:xfrm>
+          <a:prstGeom prst="rect">
+            <a:avLst/>
+          </a:prstGeom>
+        </p:spPr>
+      </p:pic>
+      <p:pic>
+        <p:nvPicPr>
+          <p:cNvPr id="12" name="Picture 11" descr="Table&#10;&#10;Description automatically generated with medium confidence">
+            <a:extLst>
+              <a:ext uri="{FF2B5EF4-FFF2-40B4-BE49-F238E27FC236}">
+                <a16:creationId xmlns:a16="http://schemas.microsoft.com/office/drawing/2014/main" id="{C2F1B535-BCDD-AE02-38D0-752469DFC386}"/>
+              </a:ext>
+            </a:extLst>
+          </p:cNvPr>
+          <p:cNvPicPr>
+            <a:picLocks noChangeAspect="1"/>
+          </p:cNvPicPr>
+          <p:nvPr/>
+        </p:nvPicPr>
+        <p:blipFill>
+          <a:blip r:embed="rId5"/>
+          <a:stretch>
+            <a:fillRect/>
+          </a:stretch>
+        </p:blipFill>
+        <p:spPr>
+          <a:xfrm>
+            <a:off x="7133878" y="2251545"/>
+            <a:ext cx="3100416" cy="1773220"/>
+          </a:xfrm>
+          <a:prstGeom prst="rect">
+            <a:avLst/>
+          </a:prstGeom>
+        </p:spPr>
+      </p:pic>
     </p:spTree>
     <p:extLst>
       <p:ext uri="{BB962C8B-B14F-4D97-AF65-F5344CB8AC3E}">
-        <p14:creationId xmlns:p14="http://schemas.microsoft.com/office/powerpoint/2010/main" val="402086038"/>
+        <p14:creationId xmlns:p14="http://schemas.microsoft.com/office/powerpoint/2010/main" val="119183711"/>
       </p:ext>
     </p:extLst>
   </p:cSld>
@@ -7307,7 +7758,7 @@
         </p:nvSpPr>
         <p:spPr>
           <a:xfrm>
-            <a:off x="1097280" y="412533"/>
+            <a:off x="1066800" y="303052"/>
             <a:ext cx="10058400" cy="1152744"/>
           </a:xfrm>
         </p:spPr>
@@ -7319,7 +7770,7 @@
           <a:p>
             <a:r>
               <a:rPr lang="en-US" sz="3200" dirty="0"/>
-              <a:t>Q5A Do educational attainment differences within counties predict infection rates?</a:t>
+              <a:t>Q4A Does vaccination rate predict infection rates?</a:t>
             </a:r>
           </a:p>
         </p:txBody>
@@ -7342,118 +7793,96 @@
         </p:nvSpPr>
         <p:spPr>
           <a:xfrm>
-            <a:off x="1158240" y="1845735"/>
-            <a:ext cx="4937760" cy="2168858"/>
+            <a:off x="196187" y="1822564"/>
+            <a:ext cx="4029797" cy="4023360"/>
           </a:xfrm>
         </p:spPr>
         <p:txBody>
           <a:bodyPr/>
           <a:lstStyle/>
           <a:p>
-            <a:pPr>
-              <a:buFont typeface="Wingdings" panose="05000000000000000000" pitchFamily="2" charset="2"/>
-              <a:buChar char="§"/>
-            </a:pPr>
             <a:r>
               <a:rPr lang="en-US" dirty="0"/>
-              <a:t>r= -0.25, p&lt;0.05.</a:t>
-            </a:r>
-          </a:p>
-          <a:p>
-            <a:pPr>
-              <a:buFont typeface="Wingdings" panose="05000000000000000000" pitchFamily="2" charset="2"/>
-              <a:buChar char="§"/>
-            </a:pPr>
+              <a:t>- Dataset contained several outliers due to inaccuracy in the dataset we validated this with boxplots. We removed three states to improve data accuracy.</a:t>
+            </a:r>
+          </a:p>
+          <a:p>
             <a:r>
               <a:rPr lang="en-US" dirty="0"/>
-              <a:t>Significant negative relationship between education and COVID infection. </a:t>
-            </a:r>
-          </a:p>
-          <a:p>
-            <a:pPr>
-              <a:buFont typeface="Wingdings" panose="05000000000000000000" pitchFamily="2" charset="2"/>
-              <a:buChar char="§"/>
-            </a:pPr>
-            <a:r>
-              <a:rPr lang="en-US" dirty="0"/>
-              <a:t>Counties with higher percentage of bachelor’s degrees tended to have lower infection rates. </a:t>
-            </a:r>
-          </a:p>
-          <a:p>
-            <a:pPr>
-              <a:buFont typeface="Wingdings" panose="05000000000000000000" pitchFamily="2" charset="2"/>
-              <a:buChar char="§"/>
-            </a:pPr>
+              <a:t>- </a:t>
+            </a:r>
+            <a:r>
+              <a:rPr lang="en-US" b="0" i="0" dirty="0">
+                <a:solidFill>
+                  <a:srgbClr val="1D1C1D"/>
+                </a:solidFill>
+                <a:effectLst/>
+                <a:latin typeface="Slack-Lato"/>
+              </a:rPr>
+              <a:t>The </a:t>
+            </a:r>
+            <a:r>
+              <a:rPr lang="en-US" b="0" i="0" dirty="0" err="1">
+                <a:solidFill>
+                  <a:srgbClr val="1D1C1D"/>
+                </a:solidFill>
+                <a:effectLst/>
+                <a:latin typeface="Slack-Lato"/>
+              </a:rPr>
+              <a:t>r-value</a:t>
+            </a:r>
+            <a:r>
+              <a:rPr lang="en-US" b="0" i="0" dirty="0">
+                <a:solidFill>
+                  <a:srgbClr val="1D1C1D"/>
+                </a:solidFill>
+                <a:effectLst/>
+                <a:latin typeface="Slack-Lato"/>
+              </a:rPr>
+              <a:t> was 0.33. </a:t>
+            </a:r>
+          </a:p>
+          <a:p>
+            <a:r>
+              <a:rPr lang="en-US" dirty="0">
+                <a:solidFill>
+                  <a:srgbClr val="1D1C1D"/>
+                </a:solidFill>
+                <a:latin typeface="Slack-Lato"/>
+              </a:rPr>
+              <a:t>- </a:t>
+            </a:r>
+            <a:r>
+              <a:rPr lang="en-US" b="0" i="0" dirty="0">
+                <a:solidFill>
+                  <a:srgbClr val="1D1C1D"/>
+                </a:solidFill>
+                <a:effectLst/>
+                <a:latin typeface="Slack-Lato"/>
+              </a:rPr>
+              <a:t>With a p value of 0.02, results are statistically significant.</a:t>
+            </a:r>
+          </a:p>
+          <a:p>
+            <a:r>
+              <a:rPr lang="en-US" dirty="0">
+                <a:solidFill>
+                  <a:srgbClr val="1D1C1D"/>
+                </a:solidFill>
+                <a:latin typeface="Slack-Lato"/>
+              </a:rPr>
+              <a:t>- Higher vaccination rates correspond to lower case rates within counties. </a:t>
+            </a:r>
             <a:endParaRPr lang="en-US" dirty="0"/>
           </a:p>
         </p:txBody>
       </p:sp>
-      <p:sp>
-        <p:nvSpPr>
-          <p:cNvPr id="4" name="Content Placeholder 3">
+      <p:pic>
+        <p:nvPicPr>
+          <p:cNvPr id="6" name="Picture 5">
             <a:extLst>
               <a:ext uri="{FF2B5EF4-FFF2-40B4-BE49-F238E27FC236}">
-                <a16:creationId xmlns:a16="http://schemas.microsoft.com/office/drawing/2014/main" id="{469FA81E-ADD9-6266-BF5B-8C88170B5A2B}"/>
-              </a:ext>
-            </a:extLst>
-          </p:cNvPr>
-          <p:cNvSpPr>
-            <a:spLocks noGrp="1"/>
-          </p:cNvSpPr>
-          <p:nvPr>
-            <p:ph sz="half" idx="2"/>
-          </p:nvPr>
-        </p:nvSpPr>
-        <p:spPr>
-          <a:xfrm>
-            <a:off x="6217920" y="1845735"/>
-            <a:ext cx="4937760" cy="2168858"/>
-          </a:xfrm>
-        </p:spPr>
-        <p:txBody>
-          <a:bodyPr/>
-          <a:lstStyle/>
-          <a:p>
-            <a:pPr>
-              <a:buFont typeface="Wingdings" panose="05000000000000000000" pitchFamily="2" charset="2"/>
-              <a:buChar char="§"/>
-            </a:pPr>
-            <a:r>
-              <a:rPr lang="en-US" dirty="0"/>
-              <a:t>r= -0.17, p&lt;0.05.</a:t>
-            </a:r>
-          </a:p>
-          <a:p>
-            <a:pPr>
-              <a:buFont typeface="Wingdings" panose="05000000000000000000" pitchFamily="2" charset="2"/>
-              <a:buChar char="§"/>
-            </a:pPr>
-            <a:r>
-              <a:rPr lang="en-US" dirty="0"/>
-              <a:t>Significant negative relationship between education and COVID mortality. </a:t>
-            </a:r>
-          </a:p>
-          <a:p>
-            <a:pPr>
-              <a:buFont typeface="Wingdings" panose="05000000000000000000" pitchFamily="2" charset="2"/>
-              <a:buChar char="§"/>
-            </a:pPr>
-            <a:r>
-              <a:rPr lang="en-US" dirty="0"/>
-              <a:t>Counties with higher percentage of bachelor’s degrees tended to have lower COVID death rates. </a:t>
-            </a:r>
-          </a:p>
-          <a:p>
-            <a:endParaRPr lang="en-US" dirty="0"/>
-          </a:p>
-        </p:txBody>
-      </p:sp>
-      <p:pic>
-        <p:nvPicPr>
-          <p:cNvPr id="11" name="Picture 10" descr="Chart, scatter chart&#10;&#10;Description automatically generated">
-            <a:extLst>
-              <a:ext uri="{FF2B5EF4-FFF2-40B4-BE49-F238E27FC236}">
-                <a16:creationId xmlns:a16="http://schemas.microsoft.com/office/drawing/2014/main" id="{766BB5BF-6401-17C5-3B02-FFC5ED28A5FE}"/>
+                <a16:creationId xmlns:a16="http://schemas.microsoft.com/office/drawing/2014/main" id="{72367EF4-9174-4AEB-8578-5F33E6F69A85}"/>
               </a:ext>
             </a:extLst>
           </p:cNvPr>
@@ -7470,8 +7899,8 @@
         </p:blipFill>
         <p:spPr>
           <a:xfrm>
-            <a:off x="7471411" y="3737717"/>
-            <a:ext cx="3295826" cy="2471870"/>
+            <a:off x="8950817" y="1403357"/>
+            <a:ext cx="3241182" cy="2430887"/>
           </a:xfrm>
           <a:prstGeom prst="rect">
             <a:avLst/>
@@ -7480,10 +7909,10 @@
       </p:pic>
       <p:pic>
         <p:nvPicPr>
-          <p:cNvPr id="12" name="Picture 11" descr="Chart, scatter chart&#10;&#10;Description automatically generated">
+          <p:cNvPr id="8" name="Picture 7">
             <a:extLst>
               <a:ext uri="{FF2B5EF4-FFF2-40B4-BE49-F238E27FC236}">
-                <a16:creationId xmlns:a16="http://schemas.microsoft.com/office/drawing/2014/main" id="{3BAA56A9-D797-4498-5D6E-AC9BFEA104CC}"/>
+                <a16:creationId xmlns:a16="http://schemas.microsoft.com/office/drawing/2014/main" id="{2F132B63-772F-B268-2C64-425619EBCCFC}"/>
               </a:ext>
             </a:extLst>
           </p:cNvPr>
@@ -7500,8 +7929,38 @@
         </p:blipFill>
         <p:spPr>
           <a:xfrm>
-            <a:off x="1424763" y="3737717"/>
-            <a:ext cx="3295827" cy="2471870"/>
+            <a:off x="8822028" y="3834245"/>
+            <a:ext cx="3369971" cy="2527478"/>
+          </a:xfrm>
+          <a:prstGeom prst="rect">
+            <a:avLst/>
+          </a:prstGeom>
+        </p:spPr>
+      </p:pic>
+      <p:pic>
+        <p:nvPicPr>
+          <p:cNvPr id="9" name="Picture 8">
+            <a:extLst>
+              <a:ext uri="{FF2B5EF4-FFF2-40B4-BE49-F238E27FC236}">
+                <a16:creationId xmlns:a16="http://schemas.microsoft.com/office/drawing/2014/main" id="{3576DD2E-6CD9-A210-C450-03DA95899005}"/>
+              </a:ext>
+            </a:extLst>
+          </p:cNvPr>
+          <p:cNvPicPr>
+            <a:picLocks noChangeAspect="1"/>
+          </p:cNvPicPr>
+          <p:nvPr/>
+        </p:nvPicPr>
+        <p:blipFill>
+          <a:blip r:embed="rId4"/>
+          <a:stretch>
+            <a:fillRect/>
+          </a:stretch>
+        </p:blipFill>
+        <p:spPr>
+          <a:xfrm>
+            <a:off x="4225984" y="2556101"/>
+            <a:ext cx="4857053" cy="3642790"/>
           </a:xfrm>
           <a:prstGeom prst="rect">
             <a:avLst/>
@@ -7511,7 +7970,7 @@
     </p:spTree>
     <p:extLst>
       <p:ext uri="{BB962C8B-B14F-4D97-AF65-F5344CB8AC3E}">
-        <p14:creationId xmlns:p14="http://schemas.microsoft.com/office/powerpoint/2010/main" val="2636386858"/>
+        <p14:creationId xmlns:p14="http://schemas.microsoft.com/office/powerpoint/2010/main" val="3585691201"/>
       </p:ext>
     </p:extLst>
   </p:cSld>
